--- a/Final-Project-Presentation.pptx
+++ b/Final-Project-Presentation.pptx
@@ -7,10 +7,10 @@
     <p:sldMasterId id="2147483692" r:id="rId3"/>
   </p:sldMasterIdLst>
   <p:notesMasterIdLst>
-    <p:notesMasterId r:id="rId20"/>
+    <p:notesMasterId r:id="rId22"/>
   </p:notesMasterIdLst>
   <p:handoutMasterIdLst>
-    <p:handoutMasterId r:id="rId21"/>
+    <p:handoutMasterId r:id="rId23"/>
   </p:handoutMasterIdLst>
   <p:sldIdLst>
     <p:sldId id="703" r:id="rId4"/>
@@ -22,13 +22,15 @@
     <p:sldId id="717" r:id="rId10"/>
     <p:sldId id="719" r:id="rId11"/>
     <p:sldId id="714" r:id="rId12"/>
-    <p:sldId id="718" r:id="rId13"/>
-    <p:sldId id="720" r:id="rId14"/>
-    <p:sldId id="721" r:id="rId15"/>
-    <p:sldId id="722" r:id="rId16"/>
-    <p:sldId id="723" r:id="rId17"/>
-    <p:sldId id="724" r:id="rId18"/>
-    <p:sldId id="725" r:id="rId19"/>
+    <p:sldId id="726" r:id="rId13"/>
+    <p:sldId id="718" r:id="rId14"/>
+    <p:sldId id="727" r:id="rId15"/>
+    <p:sldId id="720" r:id="rId16"/>
+    <p:sldId id="721" r:id="rId17"/>
+    <p:sldId id="722" r:id="rId18"/>
+    <p:sldId id="723" r:id="rId19"/>
+    <p:sldId id="724" r:id="rId20"/>
+    <p:sldId id="725" r:id="rId21"/>
   </p:sldIdLst>
   <p:sldSz cx="9144000" cy="6858000" type="letter"/>
   <p:notesSz cx="6858000" cy="9144000"/>
@@ -16060,7 +16062,7 @@
         </p:nvSpPr>
         <p:spPr>
           <a:xfrm>
-            <a:off x="293689" y="1676400"/>
+            <a:off x="292100" y="1179844"/>
             <a:ext cx="4278312" cy="944177"/>
           </a:xfrm>
           <a:prstGeom prst="rect">
@@ -16214,28 +16216,6 @@
             </a:lvl9pPr>
           </a:lstStyle>
           <a:p>
-            <a:pPr marL="388938" indent="-342900">
-              <a:lnSpc>
-                <a:spcPct val="110000"/>
-              </a:lnSpc>
-              <a:spcBef>
-                <a:spcPts val="0"/>
-              </a:spcBef>
-              <a:buAutoNum type="arabicPeriod"/>
-            </a:pPr>
-            <a:r>
-              <a:rPr lang="en-US" sz="1800" b="1" dirty="0" smtClean="0">
-                <a:solidFill>
-                  <a:schemeClr val="accent5"/>
-                </a:solidFill>
-                <a:latin typeface="Avenir Heavy" charset="0"/>
-                <a:ea typeface="Avenir Heavy" charset="0"/>
-                <a:cs typeface="Avenir Heavy" charset="0"/>
-              </a:rPr>
-              <a:t>Scatter plot</a:t>
-            </a:r>
-          </a:p>
-          <a:p>
             <a:pPr marL="620713" lvl="1" indent="-285750">
               <a:lnSpc>
                 <a:spcPct val="110000"/>
@@ -16252,54 +16232,26 @@
                 <a:ea typeface="Avenir Book" charset="0"/>
                 <a:cs typeface="Avenir Book" charset="0"/>
               </a:rPr>
-              <a:t>Variables chosen from Lasso</a:t>
-            </a:r>
-          </a:p>
-          <a:p>
-            <a:pPr marL="620713" lvl="1" indent="-285750">
-              <a:lnSpc>
-                <a:spcPct val="110000"/>
-              </a:lnSpc>
-              <a:spcBef>
-                <a:spcPts val="0"/>
-              </a:spcBef>
-              <a:buFont typeface="Arial" charset="0"/>
-              <a:buChar char="•"/>
-            </a:pPr>
+              <a:t>Clusters determined by silhouette score – 3 clusters = </a:t>
+            </a:r>
+            <a:r>
+              <a:rPr lang="fi-FI" sz="1600" dirty="0"/>
+              <a:t>0.68399092238790271</a:t>
+            </a:r>
             <a:r>
               <a:rPr lang="en-US" sz="1600" dirty="0" smtClean="0">
                 <a:latin typeface="Avenir Book" charset="0"/>
                 <a:ea typeface="Avenir Book" charset="0"/>
                 <a:cs typeface="Avenir Book" charset="0"/>
               </a:rPr>
-              <a:t>Correlation matrix</a:t>
-            </a:r>
-          </a:p>
-          <a:p>
-            <a:pPr marL="620713" lvl="1" indent="-285750">
-              <a:lnSpc>
-                <a:spcPct val="110000"/>
-              </a:lnSpc>
-              <a:spcBef>
-                <a:spcPts val="0"/>
-              </a:spcBef>
-              <a:buFont typeface="Arial" charset="0"/>
-              <a:buChar char="•"/>
-            </a:pPr>
-            <a:r>
-              <a:rPr lang="en-US" sz="1600" dirty="0" smtClean="0">
-                <a:latin typeface="Avenir Book" charset="0"/>
-                <a:ea typeface="Avenir Book" charset="0"/>
-                <a:cs typeface="Avenir Book" charset="0"/>
-              </a:rPr>
-              <a:t>Clusters determined by silhouette score </a:t>
+              <a:t> </a:t>
             </a:r>
           </a:p>
         </p:txBody>
       </p:sp>
       <p:pic>
         <p:nvPicPr>
-          <p:cNvPr id="6" name="Picture 5"/>
+          <p:cNvPr id="2" name="Picture 1"/>
           <p:cNvPicPr>
             <a:picLocks noChangeAspect="1"/>
           </p:cNvPicPr>
@@ -16319,38 +16271,8 @@
         </p:blipFill>
         <p:spPr>
           <a:xfrm>
-            <a:off x="4667992" y="1562100"/>
-            <a:ext cx="4209308" cy="2497523"/>
-          </a:xfrm>
-          <a:prstGeom prst="rect">
-            <a:avLst/>
-          </a:prstGeom>
-        </p:spPr>
-      </p:pic>
-      <p:pic>
-        <p:nvPicPr>
-          <p:cNvPr id="8" name="Picture 7"/>
-          <p:cNvPicPr>
-            <a:picLocks noChangeAspect="1"/>
-          </p:cNvPicPr>
-          <p:nvPr/>
-        </p:nvPicPr>
-        <p:blipFill>
-          <a:blip r:embed="rId3">
-            <a:extLst>
-              <a:ext uri="{28A0092B-C50C-407E-A947-70E740481C1C}">
-                <a14:useLocalDpi xmlns:a14="http://schemas.microsoft.com/office/drawing/2010/main" val="0"/>
-              </a:ext>
-            </a:extLst>
-          </a:blip>
-          <a:stretch>
-            <a:fillRect/>
-          </a:stretch>
-        </p:blipFill>
-        <p:spPr>
-          <a:xfrm>
-            <a:off x="504135" y="4059623"/>
-            <a:ext cx="4585224" cy="1875223"/>
+            <a:off x="1494183" y="2031255"/>
+            <a:ext cx="5500124" cy="3680431"/>
           </a:xfrm>
           <a:prstGeom prst="rect">
             <a:avLst/>
@@ -16360,7 +16282,7 @@
     </p:spTree>
     <p:extLst>
       <p:ext uri="{BB962C8B-B14F-4D97-AF65-F5344CB8AC3E}">
-        <p14:creationId xmlns:p14="http://schemas.microsoft.com/office/powerpoint/2010/main" val="357462655"/>
+        <p14:creationId xmlns:p14="http://schemas.microsoft.com/office/powerpoint/2010/main" val="1248308882"/>
       </p:ext>
     </p:extLst>
   </p:cSld>
@@ -16447,7 +16369,7 @@
                 <a:ea typeface="Avenir Heavy" charset="0"/>
                 <a:cs typeface="Avenir Heavy" charset="0"/>
               </a:rPr>
-              <a:t>Results: </a:t>
+              <a:t>Data: </a:t>
             </a:r>
             <a:r>
               <a:rPr lang="en-US" dirty="0" smtClean="0">
@@ -16455,7 +16377,7 @@
                 <a:ea typeface="Avenir Book" charset="0"/>
                 <a:cs typeface="Avenir Book" charset="0"/>
               </a:rPr>
-              <a:t>Cluster Analysis </a:t>
+              <a:t>Clusters visualization </a:t>
             </a:r>
             <a:endParaRPr lang="en-US" b="1" dirty="0"/>
           </a:p>
@@ -16471,8 +16393,8 @@
         </p:nvSpPr>
         <p:spPr>
           <a:xfrm>
-            <a:off x="293688" y="1676400"/>
-            <a:ext cx="6411911" cy="944177"/>
+            <a:off x="292100" y="1179844"/>
+            <a:ext cx="4278312" cy="944177"/>
           </a:xfrm>
           <a:prstGeom prst="rect">
             <a:avLst/>
@@ -16643,7 +16565,7 @@
                 <a:ea typeface="Avenir Heavy" charset="0"/>
                 <a:cs typeface="Avenir Heavy" charset="0"/>
               </a:rPr>
-              <a:t>Clustering K-means   </a:t>
+              <a:t>Scatter plot</a:t>
             </a:r>
           </a:p>
           <a:p>
@@ -16663,23 +16585,27 @@
                 <a:ea typeface="Avenir Book" charset="0"/>
                 <a:cs typeface="Avenir Book" charset="0"/>
               </a:rPr>
-              <a:t>Run </a:t>
-            </a:r>
-            <a:r>
-              <a:rPr lang="en-US" sz="1600" dirty="0">
-                <a:latin typeface="Avenir Book" charset="0"/>
-                <a:ea typeface="Avenir Book" charset="0"/>
-                <a:cs typeface="Avenir Book" charset="0"/>
-              </a:rPr>
-              <a:t>clustering </a:t>
-            </a:r>
+              <a:t>Variables chosen from Lasso</a:t>
+            </a:r>
+          </a:p>
+          <a:p>
+            <a:pPr marL="620713" lvl="1" indent="-285750">
+              <a:lnSpc>
+                <a:spcPct val="110000"/>
+              </a:lnSpc>
+              <a:spcBef>
+                <a:spcPts val="0"/>
+              </a:spcBef>
+              <a:buFont typeface="Arial" charset="0"/>
+              <a:buChar char="•"/>
+            </a:pPr>
             <a:r>
               <a:rPr lang="en-US" sz="1600" dirty="0" smtClean="0">
                 <a:latin typeface="Avenir Book" charset="0"/>
                 <a:ea typeface="Avenir Book" charset="0"/>
                 <a:cs typeface="Avenir Book" charset="0"/>
               </a:rPr>
-              <a:t>algorithm</a:t>
+              <a:t>Correlation matrix (next time) </a:t>
             </a:r>
           </a:p>
           <a:p>
@@ -16699,319 +16625,105 @@
                 <a:ea typeface="Avenir Book" charset="0"/>
                 <a:cs typeface="Avenir Book" charset="0"/>
               </a:rPr>
-              <a:t>Methods </a:t>
-            </a:r>
-            <a:r>
-              <a:rPr lang="en-US" sz="1600" dirty="0">
-                <a:latin typeface="Avenir Book" charset="0"/>
-                <a:ea typeface="Avenir Book" charset="0"/>
-                <a:cs typeface="Avenir Book" charset="0"/>
-              </a:rPr>
-              <a:t>tests: K-means, </a:t>
-            </a:r>
-            <a:r>
-              <a:rPr lang="en-US" sz="1600" dirty="0" smtClean="0">
-                <a:latin typeface="Avenir Book" charset="0"/>
-                <a:ea typeface="Avenir Book" charset="0"/>
-                <a:cs typeface="Avenir Book" charset="0"/>
-              </a:rPr>
-              <a:t>DBSCAN</a:t>
-            </a:r>
-          </a:p>
-          <a:p>
-            <a:pPr marL="620713" lvl="1" indent="-285750">
-              <a:lnSpc>
-                <a:spcPct val="110000"/>
-              </a:lnSpc>
-              <a:spcBef>
-                <a:spcPts val="0"/>
-              </a:spcBef>
-              <a:buFont typeface="Arial" charset="0"/>
-              <a:buChar char="•"/>
-            </a:pPr>
-            <a:r>
-              <a:rPr lang="en-US" sz="1600" dirty="0" smtClean="0">
-                <a:latin typeface="Avenir Book" charset="0"/>
-                <a:ea typeface="Avenir Book" charset="0"/>
-                <a:cs typeface="Avenir Book" charset="0"/>
-              </a:rPr>
-              <a:t>Use </a:t>
-            </a:r>
-            <a:r>
-              <a:rPr lang="en-US" sz="1600" dirty="0">
-                <a:latin typeface="Avenir Book" charset="0"/>
-                <a:ea typeface="Avenir Book" charset="0"/>
-                <a:cs typeface="Avenir Book" charset="0"/>
-              </a:rPr>
-              <a:t>Silhouette Coefficient to determine number of clusters </a:t>
-            </a:r>
-            <a:endParaRPr lang="en-US" b="1" dirty="0">
-              <a:solidFill>
-                <a:schemeClr val="accent5"/>
-              </a:solidFill>
-              <a:latin typeface="Avenir Heavy" charset="0"/>
-              <a:ea typeface="Avenir Heavy" charset="0"/>
-              <a:cs typeface="Avenir Heavy" charset="0"/>
-            </a:endParaRPr>
-          </a:p>
-          <a:p>
-            <a:pPr marL="388938" indent="-342900">
-              <a:lnSpc>
-                <a:spcPct val="110000"/>
-              </a:lnSpc>
-              <a:spcBef>
-                <a:spcPts val="600"/>
-              </a:spcBef>
-              <a:buFont typeface="Lucida Grande"/>
-              <a:buAutoNum type="arabicPeriod"/>
-            </a:pPr>
-            <a:r>
-              <a:rPr lang="en-US" sz="1800" b="1" dirty="0" smtClean="0">
-                <a:solidFill>
-                  <a:schemeClr val="accent5"/>
-                </a:solidFill>
-                <a:latin typeface="Avenir Heavy" charset="0"/>
-                <a:ea typeface="Avenir Heavy" charset="0"/>
-                <a:cs typeface="Avenir Heavy" charset="0"/>
-              </a:rPr>
-              <a:t>Clustering DBSCAN</a:t>
-            </a:r>
-            <a:endParaRPr lang="en-US" sz="1800" b="1" dirty="0">
-              <a:solidFill>
-                <a:schemeClr val="accent5"/>
-              </a:solidFill>
-              <a:latin typeface="Avenir Heavy" charset="0"/>
-              <a:ea typeface="Avenir Heavy" charset="0"/>
-              <a:cs typeface="Avenir Heavy" charset="0"/>
-            </a:endParaRPr>
-          </a:p>
-          <a:p>
-            <a:pPr marL="671513" lvl="2" indent="-342900">
-              <a:lnSpc>
-                <a:spcPct val="110000"/>
-              </a:lnSpc>
-              <a:spcBef>
-                <a:spcPts val="0"/>
-              </a:spcBef>
-              <a:buFont typeface="Arial" charset="0"/>
-              <a:buChar char="•"/>
-            </a:pPr>
-            <a:r>
-              <a:rPr lang="en-US" sz="1600" dirty="0">
-                <a:latin typeface="Avenir Book" charset="0"/>
-                <a:ea typeface="Avenir Book" charset="0"/>
-                <a:cs typeface="Avenir Book" charset="0"/>
-              </a:rPr>
-              <a:t>Compare silhouette scores of different clustering algorithms to determine the preferred model </a:t>
-            </a:r>
-            <a:endParaRPr lang="en-US" b="1" dirty="0">
-              <a:solidFill>
-                <a:schemeClr val="accent5"/>
-              </a:solidFill>
-              <a:latin typeface="Avenir Heavy" charset="0"/>
-              <a:ea typeface="Avenir Heavy" charset="0"/>
-              <a:cs typeface="Avenir Heavy" charset="0"/>
-            </a:endParaRPr>
-          </a:p>
-          <a:p>
-            <a:pPr marL="388938" indent="-342900">
-              <a:lnSpc>
-                <a:spcPct val="110000"/>
-              </a:lnSpc>
-              <a:spcBef>
-                <a:spcPts val="600"/>
-              </a:spcBef>
-              <a:buFont typeface="Lucida Grande"/>
-              <a:buAutoNum type="arabicPeriod"/>
-            </a:pPr>
-            <a:r>
-              <a:rPr lang="en-US" sz="1800" b="1" dirty="0" smtClean="0">
-                <a:solidFill>
-                  <a:schemeClr val="accent5"/>
-                </a:solidFill>
-                <a:latin typeface="Avenir Heavy" charset="0"/>
-                <a:ea typeface="Avenir Heavy" charset="0"/>
-                <a:cs typeface="Avenir Heavy" charset="0"/>
-              </a:rPr>
-              <a:t>Silhouette scores </a:t>
-            </a:r>
-          </a:p>
-          <a:p>
-            <a:pPr marL="677863" lvl="1" indent="-342900">
-              <a:lnSpc>
-                <a:spcPct val="110000"/>
-              </a:lnSpc>
-              <a:spcBef>
-                <a:spcPts val="0"/>
-              </a:spcBef>
-              <a:buFont typeface="Arial" charset="0"/>
-              <a:buChar char="•"/>
-            </a:pPr>
-            <a:r>
-              <a:rPr lang="en-US" sz="1600" dirty="0" smtClean="0">
-                <a:latin typeface="Avenir Book" charset="0"/>
-                <a:ea typeface="Avenir Book" charset="0"/>
-                <a:cs typeface="Avenir Book" charset="0"/>
-              </a:rPr>
-              <a:t>Compare </a:t>
-            </a:r>
-            <a:r>
-              <a:rPr lang="en-US" sz="1600" dirty="0">
-                <a:latin typeface="Avenir Book" charset="0"/>
-                <a:ea typeface="Avenir Book" charset="0"/>
-                <a:cs typeface="Avenir Book" charset="0"/>
-              </a:rPr>
-              <a:t>silhouette scores of different clustering algorithms to determine the preferred model </a:t>
-            </a:r>
-            <a:endParaRPr lang="en-US" sz="1600" dirty="0" smtClean="0">
-              <a:latin typeface="Avenir Book" charset="0"/>
-              <a:ea typeface="Avenir Book" charset="0"/>
-              <a:cs typeface="Avenir Book" charset="0"/>
-            </a:endParaRPr>
-          </a:p>
-          <a:p>
-            <a:pPr marL="677863" lvl="1" indent="-342900">
-              <a:lnSpc>
-                <a:spcPct val="110000"/>
-              </a:lnSpc>
-              <a:spcBef>
-                <a:spcPts val="0"/>
-              </a:spcBef>
-              <a:buFont typeface="Arial" charset="0"/>
-              <a:buChar char="•"/>
-            </a:pPr>
-            <a:r>
-              <a:rPr lang="en-US" sz="1600" dirty="0" smtClean="0">
-                <a:latin typeface="Avenir Book" charset="0"/>
-                <a:ea typeface="Avenir Book" charset="0"/>
-                <a:cs typeface="Avenir Book" charset="0"/>
-              </a:rPr>
-              <a:t>Cluster based on best silhouette coefficients</a:t>
-            </a:r>
-            <a:endParaRPr lang="en-US" sz="1600" dirty="0" smtClean="0">
-              <a:latin typeface="Avenir Heavy" charset="0"/>
-              <a:ea typeface="Avenir Heavy" charset="0"/>
-              <a:cs typeface="Avenir Heavy" charset="0"/>
-            </a:endParaRPr>
-          </a:p>
-          <a:p>
-            <a:pPr marL="388938" indent="-342900">
-              <a:lnSpc>
-                <a:spcPct val="110000"/>
-              </a:lnSpc>
-              <a:spcBef>
-                <a:spcPts val="600"/>
-              </a:spcBef>
-              <a:buFont typeface="Lucida Grande"/>
-              <a:buAutoNum type="arabicPeriod"/>
-            </a:pPr>
-            <a:r>
-              <a:rPr lang="en-US" sz="1800" b="1" dirty="0">
-                <a:solidFill>
-                  <a:schemeClr val="accent5"/>
-                </a:solidFill>
-                <a:latin typeface="Avenir Heavy" charset="0"/>
-                <a:ea typeface="Avenir Heavy" charset="0"/>
-                <a:cs typeface="Avenir Heavy" charset="0"/>
-              </a:rPr>
-              <a:t>Analysis of Results  </a:t>
-            </a:r>
-            <a:endParaRPr lang="en-US" sz="1800" b="1" dirty="0" smtClean="0">
-              <a:solidFill>
-                <a:schemeClr val="accent5"/>
-              </a:solidFill>
-              <a:latin typeface="Avenir Heavy" charset="0"/>
-              <a:ea typeface="Avenir Heavy" charset="0"/>
-              <a:cs typeface="Avenir Heavy" charset="0"/>
-            </a:endParaRPr>
-          </a:p>
-          <a:p>
-            <a:pPr marL="677863" lvl="1" indent="-342900">
-              <a:lnSpc>
-                <a:spcPct val="110000"/>
-              </a:lnSpc>
-              <a:spcBef>
-                <a:spcPts val="600"/>
-              </a:spcBef>
-              <a:buFont typeface="Arial" charset="0"/>
-              <a:buChar char="•"/>
-            </a:pPr>
-            <a:r>
-              <a:rPr lang="en-US" sz="1600" dirty="0" smtClean="0">
-                <a:latin typeface="Avenir Book" charset="0"/>
-                <a:ea typeface="Avenir Book" charset="0"/>
-                <a:cs typeface="Avenir Book" charset="0"/>
-              </a:rPr>
-              <a:t>Merge back with data to test correlation (</a:t>
-            </a:r>
-            <a:r>
-              <a:rPr lang="en-US" sz="1600" dirty="0" err="1" smtClean="0">
-                <a:latin typeface="Avenir Book" charset="0"/>
-                <a:ea typeface="Avenir Book" charset="0"/>
-                <a:cs typeface="Avenir Book" charset="0"/>
-              </a:rPr>
-              <a:t>gdp</a:t>
-            </a:r>
-            <a:r>
-              <a:rPr lang="en-US" sz="1600" dirty="0" smtClean="0">
-                <a:latin typeface="Avenir Book" charset="0"/>
-                <a:ea typeface="Avenir Book" charset="0"/>
-                <a:cs typeface="Avenir Book" charset="0"/>
-              </a:rPr>
-              <a:t>, regions?)</a:t>
-            </a:r>
-          </a:p>
-          <a:p>
-            <a:pPr marL="677863" lvl="1" indent="-342900">
-              <a:lnSpc>
-                <a:spcPct val="110000"/>
-              </a:lnSpc>
-              <a:spcBef>
-                <a:spcPts val="600"/>
-              </a:spcBef>
-              <a:buFont typeface="Arial" charset="0"/>
-              <a:buChar char="•"/>
-            </a:pPr>
-            <a:r>
-              <a:rPr lang="en-US" sz="1600" dirty="0" smtClean="0">
-                <a:latin typeface="Avenir Book" charset="0"/>
-                <a:ea typeface="Avenir Book" charset="0"/>
-                <a:cs typeface="Avenir Book" charset="0"/>
-              </a:rPr>
-              <a:t>What is the clustering telling me about the data?</a:t>
-            </a:r>
-            <a:endParaRPr lang="en-US" sz="1600" dirty="0">
-              <a:latin typeface="Avenir Heavy" charset="0"/>
-              <a:ea typeface="Avenir Heavy" charset="0"/>
-              <a:cs typeface="Avenir Heavy" charset="0"/>
-            </a:endParaRPr>
-          </a:p>
-          <a:p>
-            <a:pPr marL="388938" indent="-342900">
-              <a:lnSpc>
-                <a:spcPct val="110000"/>
-              </a:lnSpc>
-              <a:spcBef>
-                <a:spcPts val="600"/>
-              </a:spcBef>
-              <a:buFont typeface="Lucida Grande"/>
-              <a:buAutoNum type="arabicPeriod"/>
-            </a:pPr>
-            <a:endParaRPr lang="en-US" sz="1800" b="1" dirty="0">
-              <a:solidFill>
-                <a:schemeClr val="accent5"/>
-              </a:solidFill>
-              <a:latin typeface="Avenir Heavy" charset="0"/>
-              <a:ea typeface="Avenir Heavy" charset="0"/>
-              <a:cs typeface="Avenir Heavy" charset="0"/>
-            </a:endParaRPr>
-          </a:p>
-        </p:txBody>
-      </p:sp>
+              <a:t>Clusters determined by silhouette score </a:t>
+            </a:r>
+          </a:p>
+        </p:txBody>
+      </p:sp>
+      <p:pic>
+        <p:nvPicPr>
+          <p:cNvPr id="6" name="Picture 5"/>
+          <p:cNvPicPr>
+            <a:picLocks noChangeAspect="1"/>
+          </p:cNvPicPr>
+          <p:nvPr/>
+        </p:nvPicPr>
+        <p:blipFill>
+          <a:blip r:embed="rId2">
+            <a:extLst>
+              <a:ext uri="{28A0092B-C50C-407E-A947-70E740481C1C}">
+                <a14:useLocalDpi xmlns:a14="http://schemas.microsoft.com/office/drawing/2010/main" val="0"/>
+              </a:ext>
+            </a:extLst>
+          </a:blip>
+          <a:stretch>
+            <a:fillRect/>
+          </a:stretch>
+        </p:blipFill>
+        <p:spPr>
+          <a:xfrm>
+            <a:off x="4934692" y="791670"/>
+            <a:ext cx="4209308" cy="2497523"/>
+          </a:xfrm>
+          <a:prstGeom prst="rect">
+            <a:avLst/>
+          </a:prstGeom>
+        </p:spPr>
+      </p:pic>
+      <p:pic>
+        <p:nvPicPr>
+          <p:cNvPr id="9" name="Picture 8"/>
+          <p:cNvPicPr>
+            <a:picLocks noChangeAspect="1"/>
+          </p:cNvPicPr>
+          <p:nvPr/>
+        </p:nvPicPr>
+        <p:blipFill>
+          <a:blip r:embed="rId3">
+            <a:extLst>
+              <a:ext uri="{28A0092B-C50C-407E-A947-70E740481C1C}">
+                <a14:useLocalDpi xmlns:a14="http://schemas.microsoft.com/office/drawing/2010/main" val="0"/>
+              </a:ext>
+            </a:extLst>
+          </a:blip>
+          <a:stretch>
+            <a:fillRect/>
+          </a:stretch>
+        </p:blipFill>
+        <p:spPr>
+          <a:xfrm>
+            <a:off x="4934692" y="3543300"/>
+            <a:ext cx="3988339" cy="2604037"/>
+          </a:xfrm>
+          <a:prstGeom prst="rect">
+            <a:avLst/>
+          </a:prstGeom>
+        </p:spPr>
+      </p:pic>
+      <p:pic>
+        <p:nvPicPr>
+          <p:cNvPr id="11" name="Picture 10"/>
+          <p:cNvPicPr>
+            <a:picLocks noChangeAspect="1"/>
+          </p:cNvPicPr>
+          <p:nvPr/>
+        </p:nvPicPr>
+        <p:blipFill>
+          <a:blip r:embed="rId4">
+            <a:extLst>
+              <a:ext uri="{28A0092B-C50C-407E-A947-70E740481C1C}">
+                <a14:useLocalDpi xmlns:a14="http://schemas.microsoft.com/office/drawing/2010/main" val="0"/>
+              </a:ext>
+            </a:extLst>
+          </a:blip>
+          <a:stretch>
+            <a:fillRect/>
+          </a:stretch>
+        </p:blipFill>
+        <p:spPr>
+          <a:xfrm>
+            <a:off x="437321" y="3503071"/>
+            <a:ext cx="4002157" cy="2684494"/>
+          </a:xfrm>
+          <a:prstGeom prst="rect">
+            <a:avLst/>
+          </a:prstGeom>
+        </p:spPr>
+      </p:pic>
     </p:spTree>
     <p:extLst>
       <p:ext uri="{BB962C8B-B14F-4D97-AF65-F5344CB8AC3E}">
-        <p14:creationId xmlns:p14="http://schemas.microsoft.com/office/powerpoint/2010/main" val="1545785795"/>
+        <p14:creationId xmlns:p14="http://schemas.microsoft.com/office/powerpoint/2010/main" val="357462655"/>
       </p:ext>
     </p:extLst>
   </p:cSld>
@@ -17098,7 +16810,7 @@
                 <a:ea typeface="Avenir Heavy" charset="0"/>
                 <a:cs typeface="Avenir Heavy" charset="0"/>
               </a:rPr>
-              <a:t>Conclusion: </a:t>
+              <a:t>Data: </a:t>
             </a:r>
             <a:r>
               <a:rPr lang="en-US" dirty="0" smtClean="0">
@@ -17106,361 +16818,106 @@
                 <a:ea typeface="Avenir Book" charset="0"/>
                 <a:cs typeface="Avenir Book" charset="0"/>
               </a:rPr>
-              <a:t>Takeaways </a:t>
+              <a:t>Clusters visualization </a:t>
             </a:r>
             <a:endParaRPr lang="en-US" b="1" dirty="0"/>
           </a:p>
         </p:txBody>
       </p:sp>
-      <p:sp>
-        <p:nvSpPr>
-          <p:cNvPr id="10" name="Content Placeholder 3"/>
-          <p:cNvSpPr txBox="1">
-            <a:spLocks/>
-          </p:cNvSpPr>
+      <p:pic>
+        <p:nvPicPr>
+          <p:cNvPr id="2" name="Picture 1"/>
+          <p:cNvPicPr>
+            <a:picLocks noChangeAspect="1"/>
+          </p:cNvPicPr>
           <p:nvPr/>
-        </p:nvSpPr>
+        </p:nvPicPr>
+        <p:blipFill>
+          <a:blip r:embed="rId2">
+            <a:extLst>
+              <a:ext uri="{28A0092B-C50C-407E-A947-70E740481C1C}">
+                <a14:useLocalDpi xmlns:a14="http://schemas.microsoft.com/office/drawing/2010/main" val="0"/>
+              </a:ext>
+            </a:extLst>
+          </a:blip>
+          <a:stretch>
+            <a:fillRect/>
+          </a:stretch>
+        </p:blipFill>
         <p:spPr>
           <a:xfrm>
-            <a:off x="293688" y="1676400"/>
-            <a:ext cx="8555037" cy="944177"/>
+            <a:off x="292100" y="1210403"/>
+            <a:ext cx="3906940" cy="2695789"/>
           </a:xfrm>
           <a:prstGeom prst="rect">
             <a:avLst/>
           </a:prstGeom>
         </p:spPr>
-        <p:txBody>
-          <a:bodyPr vert="horz" lIns="0" tIns="0" rIns="0" bIns="0" rtlCol="0">
-            <a:noAutofit/>
-          </a:bodyPr>
-          <a:lstStyle>
-            <a:lvl1pPr marL="284163" indent="-238125" algn="l" defTabSz="457200" rtl="0" eaLnBrk="1" latinLnBrk="0" hangingPunct="1">
-              <a:spcBef>
-                <a:spcPts val="800"/>
-              </a:spcBef>
-              <a:buFont typeface="Lucida Grande"/>
-              <a:buChar char="-"/>
-              <a:defRPr sz="2000" kern="1200">
-                <a:solidFill>
-                  <a:schemeClr val="tx1"/>
-                </a:solidFill>
-                <a:latin typeface="+mn-lt"/>
-                <a:ea typeface="+mn-ea"/>
-                <a:cs typeface="+mn-cs"/>
-              </a:defRPr>
-            </a:lvl1pPr>
-            <a:lvl2pPr marL="573088" indent="-123825" algn="l" defTabSz="457200" rtl="0" eaLnBrk="1" latinLnBrk="0" hangingPunct="1">
-              <a:spcBef>
-                <a:spcPts val="300"/>
-              </a:spcBef>
-              <a:buSzPct val="90000"/>
-              <a:buFont typeface="Arial"/>
-              <a:buChar char="•"/>
-              <a:defRPr sz="1800" kern="1200">
-                <a:solidFill>
-                  <a:schemeClr val="tx1"/>
-                </a:solidFill>
-                <a:latin typeface="+mn-lt"/>
-                <a:ea typeface="+mn-ea"/>
-                <a:cs typeface="+mn-cs"/>
-              </a:defRPr>
-            </a:lvl2pPr>
-            <a:lvl3pPr marL="855663" indent="-160338" algn="l" defTabSz="457200" rtl="0" eaLnBrk="1" latinLnBrk="0" hangingPunct="1">
-              <a:spcBef>
-                <a:spcPts val="200"/>
-              </a:spcBef>
-              <a:buFont typeface="Lucida Grande"/>
-              <a:buChar char="-"/>
-              <a:tabLst/>
-              <a:defRPr sz="1800" kern="1200">
-                <a:solidFill>
-                  <a:schemeClr val="tx1"/>
-                </a:solidFill>
-                <a:latin typeface="+mn-lt"/>
-                <a:ea typeface="+mn-ea"/>
-                <a:cs typeface="+mn-cs"/>
-              </a:defRPr>
-            </a:lvl3pPr>
-            <a:lvl4pPr marL="1147763" indent="-168275" algn="l" defTabSz="457200" rtl="0" eaLnBrk="1" latinLnBrk="0" hangingPunct="1">
-              <a:spcBef>
-                <a:spcPts val="100"/>
-              </a:spcBef>
-              <a:buFont typeface="Lucida Grande"/>
-              <a:buChar char="»"/>
-              <a:tabLst/>
-              <a:defRPr sz="1600" kern="1200">
-                <a:solidFill>
-                  <a:schemeClr val="tx1"/>
-                </a:solidFill>
-                <a:latin typeface="+mn-lt"/>
-                <a:ea typeface="+mn-ea"/>
-                <a:cs typeface="+mn-cs"/>
-              </a:defRPr>
-            </a:lvl4pPr>
-            <a:lvl5pPr marL="1317625" indent="-107950" algn="l" defTabSz="457200" rtl="0" eaLnBrk="1" latinLnBrk="0" hangingPunct="1">
-              <a:spcBef>
-                <a:spcPts val="0"/>
-              </a:spcBef>
-              <a:buSzPct val="90000"/>
-              <a:buFont typeface="Wingdings" charset="2"/>
-              <a:buChar char="§"/>
-              <a:tabLst/>
-              <a:defRPr sz="1400" kern="1200">
-                <a:solidFill>
-                  <a:schemeClr val="tx1"/>
-                </a:solidFill>
-                <a:latin typeface="+mn-lt"/>
-                <a:ea typeface="+mn-ea"/>
-                <a:cs typeface="+mn-cs"/>
-              </a:defRPr>
-            </a:lvl5pPr>
-            <a:lvl6pPr marL="2514600" indent="-228600" algn="l" defTabSz="457200" rtl="0" eaLnBrk="1" latinLnBrk="0" hangingPunct="1">
-              <a:spcBef>
-                <a:spcPct val="20000"/>
-              </a:spcBef>
-              <a:buFont typeface="Arial"/>
-              <a:buChar char="•"/>
-              <a:defRPr sz="2000" kern="1200">
-                <a:solidFill>
-                  <a:schemeClr val="tx1"/>
-                </a:solidFill>
-                <a:latin typeface="+mn-lt"/>
-                <a:ea typeface="+mn-ea"/>
-                <a:cs typeface="+mn-cs"/>
-              </a:defRPr>
-            </a:lvl6pPr>
-            <a:lvl7pPr marL="2971800" indent="-228600" algn="l" defTabSz="457200" rtl="0" eaLnBrk="1" latinLnBrk="0" hangingPunct="1">
-              <a:spcBef>
-                <a:spcPct val="20000"/>
-              </a:spcBef>
-              <a:buFont typeface="Arial"/>
-              <a:buChar char="•"/>
-              <a:defRPr sz="2000" kern="1200">
-                <a:solidFill>
-                  <a:schemeClr val="tx1"/>
-                </a:solidFill>
-                <a:latin typeface="+mn-lt"/>
-                <a:ea typeface="+mn-ea"/>
-                <a:cs typeface="+mn-cs"/>
-              </a:defRPr>
-            </a:lvl7pPr>
-            <a:lvl8pPr marL="3429000" indent="-228600" algn="l" defTabSz="457200" rtl="0" eaLnBrk="1" latinLnBrk="0" hangingPunct="1">
-              <a:spcBef>
-                <a:spcPct val="20000"/>
-              </a:spcBef>
-              <a:buFont typeface="Arial"/>
-              <a:buChar char="•"/>
-              <a:defRPr sz="2000" kern="1200">
-                <a:solidFill>
-                  <a:schemeClr val="tx1"/>
-                </a:solidFill>
-                <a:latin typeface="+mn-lt"/>
-                <a:ea typeface="+mn-ea"/>
-                <a:cs typeface="+mn-cs"/>
-              </a:defRPr>
-            </a:lvl8pPr>
-            <a:lvl9pPr marL="3886200" indent="-228600" algn="l" defTabSz="457200" rtl="0" eaLnBrk="1" latinLnBrk="0" hangingPunct="1">
-              <a:spcBef>
-                <a:spcPct val="20000"/>
-              </a:spcBef>
-              <a:buFont typeface="Arial"/>
-              <a:buChar char="•"/>
-              <a:defRPr sz="2000" kern="1200">
-                <a:solidFill>
-                  <a:schemeClr val="tx1"/>
-                </a:solidFill>
-                <a:latin typeface="+mn-lt"/>
-                <a:ea typeface="+mn-ea"/>
-                <a:cs typeface="+mn-cs"/>
-              </a:defRPr>
-            </a:lvl9pPr>
-          </a:lstStyle>
-          <a:p>
-            <a:pPr marL="46038" indent="0">
-              <a:lnSpc>
-                <a:spcPct val="110000"/>
-              </a:lnSpc>
-              <a:spcBef>
-                <a:spcPts val="0"/>
-              </a:spcBef>
-              <a:buNone/>
-            </a:pPr>
-            <a:r>
-              <a:rPr lang="en-US" sz="1800" b="1" dirty="0" smtClean="0">
-                <a:solidFill>
-                  <a:schemeClr val="accent4"/>
-                </a:solidFill>
-                <a:latin typeface="Avenir Heavy" charset="0"/>
-                <a:ea typeface="Avenir Heavy" charset="0"/>
-                <a:cs typeface="Avenir Heavy" charset="0"/>
-              </a:rPr>
-              <a:t>What </a:t>
-            </a:r>
-            <a:r>
-              <a:rPr lang="en-US" sz="1800" b="1" dirty="0">
-                <a:solidFill>
-                  <a:schemeClr val="accent4"/>
-                </a:solidFill>
-                <a:latin typeface="Avenir Heavy" charset="0"/>
-                <a:ea typeface="Avenir Heavy" charset="0"/>
-                <a:cs typeface="Avenir Heavy" charset="0"/>
-              </a:rPr>
-              <a:t>had the most impact on your work</a:t>
-            </a:r>
-            <a:r>
-              <a:rPr lang="en-US" sz="1800" b="1" dirty="0" smtClean="0">
-                <a:solidFill>
-                  <a:schemeClr val="accent4"/>
-                </a:solidFill>
-                <a:latin typeface="Avenir Heavy" charset="0"/>
-                <a:ea typeface="Avenir Heavy" charset="0"/>
-                <a:cs typeface="Avenir Heavy" charset="0"/>
-              </a:rPr>
-              <a:t>?</a:t>
-            </a:r>
-          </a:p>
-          <a:p>
-            <a:pPr>
-              <a:lnSpc>
-                <a:spcPct val="110000"/>
-              </a:lnSpc>
-              <a:spcBef>
-                <a:spcPts val="0"/>
-              </a:spcBef>
-              <a:buFontTx/>
-              <a:buChar char="-"/>
-            </a:pPr>
-            <a:r>
-              <a:rPr lang="en-US" sz="1800" dirty="0" smtClean="0">
-                <a:latin typeface="Avenir Heavy" charset="0"/>
-                <a:ea typeface="Avenir Heavy" charset="0"/>
-                <a:cs typeface="Avenir Heavy" charset="0"/>
-              </a:rPr>
-              <a:t>Isolating certain variables using Lasso and Ridge </a:t>
-            </a:r>
-          </a:p>
-          <a:p>
-            <a:pPr>
-              <a:lnSpc>
-                <a:spcPct val="110000"/>
-              </a:lnSpc>
-              <a:spcBef>
-                <a:spcPts val="0"/>
-              </a:spcBef>
-              <a:buFontTx/>
-              <a:buChar char="-"/>
-            </a:pPr>
-            <a:r>
-              <a:rPr lang="en-US" sz="1800" dirty="0" smtClean="0">
-                <a:latin typeface="Avenir Heavy" charset="0"/>
-                <a:ea typeface="Avenir Heavy" charset="0"/>
-                <a:cs typeface="Avenir Heavy" charset="0"/>
-              </a:rPr>
-              <a:t>Clustering to find similarities among countries </a:t>
-            </a:r>
-          </a:p>
-          <a:p>
-            <a:pPr marL="46038" indent="0">
-              <a:lnSpc>
-                <a:spcPct val="110000"/>
-              </a:lnSpc>
-              <a:spcBef>
-                <a:spcPts val="0"/>
-              </a:spcBef>
-              <a:buNone/>
-            </a:pPr>
-            <a:endParaRPr lang="en-US" sz="1800" b="1" dirty="0">
-              <a:solidFill>
-                <a:schemeClr val="accent4"/>
-              </a:solidFill>
-              <a:latin typeface="Avenir Heavy" charset="0"/>
-              <a:ea typeface="Avenir Heavy" charset="0"/>
-              <a:cs typeface="Avenir Heavy" charset="0"/>
-            </a:endParaRPr>
-          </a:p>
-          <a:p>
-            <a:pPr marL="46038" indent="0">
-              <a:lnSpc>
-                <a:spcPct val="110000"/>
-              </a:lnSpc>
-              <a:spcBef>
-                <a:spcPts val="0"/>
-              </a:spcBef>
-              <a:buNone/>
-            </a:pPr>
-            <a:r>
-              <a:rPr lang="en-US" sz="1800" b="1" dirty="0">
-                <a:solidFill>
-                  <a:schemeClr val="accent4"/>
-                </a:solidFill>
-                <a:latin typeface="Avenir Heavy" charset="0"/>
-                <a:ea typeface="Avenir Heavy" charset="0"/>
-                <a:cs typeface="Avenir Heavy" charset="0"/>
-              </a:rPr>
-              <a:t>What can you confirm? What can you suggest? What is still to be determined</a:t>
-            </a:r>
-            <a:r>
-              <a:rPr lang="en-US" sz="1800" b="1" dirty="0" smtClean="0">
-                <a:solidFill>
-                  <a:schemeClr val="accent4"/>
-                </a:solidFill>
-                <a:latin typeface="Avenir Heavy" charset="0"/>
-                <a:ea typeface="Avenir Heavy" charset="0"/>
-                <a:cs typeface="Avenir Heavy" charset="0"/>
-              </a:rPr>
-              <a:t>?</a:t>
-            </a:r>
-          </a:p>
-          <a:p>
-            <a:pPr marL="46038" indent="0">
-              <a:lnSpc>
-                <a:spcPct val="110000"/>
-              </a:lnSpc>
-              <a:spcBef>
-                <a:spcPts val="0"/>
-              </a:spcBef>
-              <a:buNone/>
-            </a:pPr>
-            <a:r>
-              <a:rPr lang="en-US" sz="1800" dirty="0" smtClean="0">
-                <a:latin typeface="Avenir Heavy" charset="0"/>
-                <a:ea typeface="Avenir Heavy" charset="0"/>
-                <a:cs typeface="Avenir Heavy" charset="0"/>
-              </a:rPr>
-              <a:t>- Health-related issues (maternal mortality, neonatal mortality, etc.) are more correlated with ICT development </a:t>
-            </a:r>
-            <a:endParaRPr lang="en-US" sz="1800" dirty="0">
-              <a:latin typeface="Avenir Heavy" charset="0"/>
-              <a:ea typeface="Avenir Heavy" charset="0"/>
-              <a:cs typeface="Avenir Heavy" charset="0"/>
-            </a:endParaRPr>
-          </a:p>
-          <a:p>
-            <a:pPr marL="388938" indent="-342900">
-              <a:lnSpc>
-                <a:spcPct val="110000"/>
-              </a:lnSpc>
-              <a:spcBef>
-                <a:spcPts val="600"/>
-              </a:spcBef>
-              <a:buFont typeface="Lucida Grande"/>
-              <a:buAutoNum type="arabicPeriod"/>
-            </a:pPr>
-            <a:endParaRPr lang="en-US" sz="1800" b="1" dirty="0">
-              <a:solidFill>
-                <a:schemeClr val="accent5"/>
-              </a:solidFill>
-              <a:latin typeface="Avenir Heavy" charset="0"/>
-              <a:ea typeface="Avenir Heavy" charset="0"/>
-              <a:cs typeface="Avenir Heavy" charset="0"/>
-            </a:endParaRPr>
-          </a:p>
-        </p:txBody>
-      </p:sp>
+      </p:pic>
+      <p:pic>
+        <p:nvPicPr>
+          <p:cNvPr id="4" name="Picture 3"/>
+          <p:cNvPicPr>
+            <a:picLocks noChangeAspect="1"/>
+          </p:cNvPicPr>
+          <p:nvPr/>
+        </p:nvPicPr>
+        <p:blipFill>
+          <a:blip r:embed="rId3">
+            <a:extLst>
+              <a:ext uri="{28A0092B-C50C-407E-A947-70E740481C1C}">
+                <a14:useLocalDpi xmlns:a14="http://schemas.microsoft.com/office/drawing/2010/main" val="0"/>
+              </a:ext>
+            </a:extLst>
+          </a:blip>
+          <a:stretch>
+            <a:fillRect/>
+          </a:stretch>
+        </p:blipFill>
+        <p:spPr>
+          <a:xfrm>
+            <a:off x="292100" y="3951109"/>
+            <a:ext cx="3906940" cy="2656719"/>
+          </a:xfrm>
+          <a:prstGeom prst="rect">
+            <a:avLst/>
+          </a:prstGeom>
+        </p:spPr>
+      </p:pic>
+      <p:pic>
+        <p:nvPicPr>
+          <p:cNvPr id="7" name="Picture 6"/>
+          <p:cNvPicPr>
+            <a:picLocks noChangeAspect="1"/>
+          </p:cNvPicPr>
+          <p:nvPr/>
+        </p:nvPicPr>
+        <p:blipFill>
+          <a:blip r:embed="rId4">
+            <a:extLst>
+              <a:ext uri="{28A0092B-C50C-407E-A947-70E740481C1C}">
+                <a14:useLocalDpi xmlns:a14="http://schemas.microsoft.com/office/drawing/2010/main" val="0"/>
+              </a:ext>
+            </a:extLst>
+          </a:blip>
+          <a:stretch>
+            <a:fillRect/>
+          </a:stretch>
+        </p:blipFill>
+        <p:spPr>
+          <a:xfrm>
+            <a:off x="4625154" y="1239706"/>
+            <a:ext cx="4160891" cy="2666486"/>
+          </a:xfrm>
+          <a:prstGeom prst="rect">
+            <a:avLst/>
+          </a:prstGeom>
+        </p:spPr>
+      </p:pic>
     </p:spTree>
     <p:extLst>
       <p:ext uri="{BB962C8B-B14F-4D97-AF65-F5344CB8AC3E}">
-        <p14:creationId xmlns:p14="http://schemas.microsoft.com/office/powerpoint/2010/main" val="1870881157"/>
+        <p14:creationId xmlns:p14="http://schemas.microsoft.com/office/powerpoint/2010/main" val="1549745477"/>
       </p:ext>
     </p:extLst>
   </p:cSld>
@@ -17547,7 +17004,7 @@
                 <a:ea typeface="Avenir Heavy" charset="0"/>
                 <a:cs typeface="Avenir Heavy" charset="0"/>
               </a:rPr>
-              <a:t>Next Steps: </a:t>
+              <a:t>Results: </a:t>
             </a:r>
             <a:r>
               <a:rPr lang="en-US" dirty="0" smtClean="0">
@@ -17555,7 +17012,7 @@
                 <a:ea typeface="Avenir Book" charset="0"/>
                 <a:cs typeface="Avenir Book" charset="0"/>
               </a:rPr>
-              <a:t>Further Explorations  </a:t>
+              <a:t>Cluster Analysis </a:t>
             </a:r>
             <a:endParaRPr lang="en-US" b="1" dirty="0"/>
           </a:p>
@@ -17572,7 +17029,7 @@
         <p:spPr>
           <a:xfrm>
             <a:off x="293688" y="1676400"/>
-            <a:ext cx="8555037" cy="3120887"/>
+            <a:ext cx="6411911" cy="944177"/>
           </a:xfrm>
           <a:prstGeom prst="rect">
             <a:avLst/>
@@ -17725,173 +17182,129 @@
             </a:lvl9pPr>
           </a:lstStyle>
           <a:p>
-            <a:pPr marL="46038" indent="0">
+            <a:pPr marL="388938" indent="-342900">
               <a:lnSpc>
                 <a:spcPct val="110000"/>
               </a:lnSpc>
               <a:spcBef>
                 <a:spcPts val="0"/>
               </a:spcBef>
-              <a:buNone/>
+              <a:buAutoNum type="arabicPeriod"/>
             </a:pPr>
             <a:r>
               <a:rPr lang="en-US" sz="1800" b="1" dirty="0" smtClean="0">
                 <a:solidFill>
-                  <a:schemeClr val="accent4"/>
+                  <a:schemeClr val="accent5"/>
                 </a:solidFill>
                 <a:latin typeface="Avenir Heavy" charset="0"/>
                 <a:ea typeface="Avenir Heavy" charset="0"/>
                 <a:cs typeface="Avenir Heavy" charset="0"/>
               </a:rPr>
-              <a:t>What </a:t>
-            </a:r>
-            <a:r>
-              <a:rPr lang="en-US" sz="1800" b="1" dirty="0">
-                <a:solidFill>
-                  <a:schemeClr val="accent4"/>
-                </a:solidFill>
-                <a:latin typeface="Avenir Heavy" charset="0"/>
-                <a:ea typeface="Avenir Heavy" charset="0"/>
-                <a:cs typeface="Avenir Heavy" charset="0"/>
-              </a:rPr>
-              <a:t>should this project do moving forward</a:t>
-            </a:r>
-            <a:r>
-              <a:rPr lang="en-US" sz="1800" b="1" dirty="0" smtClean="0">
-                <a:solidFill>
-                  <a:schemeClr val="accent4"/>
-                </a:solidFill>
-                <a:latin typeface="Avenir Heavy" charset="0"/>
-                <a:ea typeface="Avenir Heavy" charset="0"/>
-                <a:cs typeface="Avenir Heavy" charset="0"/>
-              </a:rPr>
-              <a:t>?</a:t>
-            </a:r>
-          </a:p>
-          <a:p>
-            <a:pPr>
+              <a:t>Clustering K-means   </a:t>
+            </a:r>
+          </a:p>
+          <a:p>
+            <a:pPr marL="620713" lvl="1" indent="-285750">
               <a:lnSpc>
                 <a:spcPct val="110000"/>
               </a:lnSpc>
               <a:spcBef>
                 <a:spcPts val="0"/>
               </a:spcBef>
-              <a:buFontTx/>
-              <a:buChar char="-"/>
+              <a:buFont typeface="Arial" charset="0"/>
+              <a:buChar char="•"/>
             </a:pPr>
             <a:r>
-              <a:rPr lang="en-US" sz="1800" dirty="0" smtClean="0">
-                <a:latin typeface="Avenir Heavy" charset="0"/>
-                <a:ea typeface="Avenir Heavy" charset="0"/>
-                <a:cs typeface="Avenir Heavy" charset="0"/>
-              </a:rPr>
-              <a:t>Test more models </a:t>
-            </a:r>
-          </a:p>
-          <a:p>
-            <a:pPr>
+              <a:rPr lang="en-US" sz="1600" dirty="0" smtClean="0">
+                <a:latin typeface="Avenir Book" charset="0"/>
+                <a:ea typeface="Avenir Book" charset="0"/>
+                <a:cs typeface="Avenir Book" charset="0"/>
+              </a:rPr>
+              <a:t>Run </a:t>
+            </a:r>
+            <a:r>
+              <a:rPr lang="en-US" sz="1600" dirty="0">
+                <a:latin typeface="Avenir Book" charset="0"/>
+                <a:ea typeface="Avenir Book" charset="0"/>
+                <a:cs typeface="Avenir Book" charset="0"/>
+              </a:rPr>
+              <a:t>clustering </a:t>
+            </a:r>
+            <a:r>
+              <a:rPr lang="en-US" sz="1600" dirty="0" smtClean="0">
+                <a:latin typeface="Avenir Book" charset="0"/>
+                <a:ea typeface="Avenir Book" charset="0"/>
+                <a:cs typeface="Avenir Book" charset="0"/>
+              </a:rPr>
+              <a:t>algorithm</a:t>
+            </a:r>
+          </a:p>
+          <a:p>
+            <a:pPr marL="620713" lvl="1" indent="-285750">
               <a:lnSpc>
                 <a:spcPct val="110000"/>
               </a:lnSpc>
               <a:spcBef>
                 <a:spcPts val="0"/>
               </a:spcBef>
-              <a:buFontTx/>
-              <a:buChar char="-"/>
+              <a:buFont typeface="Arial" charset="0"/>
+              <a:buChar char="•"/>
             </a:pPr>
             <a:r>
-              <a:rPr lang="en-US" sz="1800" dirty="0" smtClean="0">
-                <a:latin typeface="Avenir Heavy" charset="0"/>
-                <a:ea typeface="Avenir Heavy" charset="0"/>
-                <a:cs typeface="Avenir Heavy" charset="0"/>
-              </a:rPr>
-              <a:t>Try different, potentially more relevant, features </a:t>
-            </a:r>
-          </a:p>
-          <a:p>
-            <a:pPr>
+              <a:rPr lang="en-US" sz="1600" dirty="0" smtClean="0">
+                <a:latin typeface="Avenir Book" charset="0"/>
+                <a:ea typeface="Avenir Book" charset="0"/>
+                <a:cs typeface="Avenir Book" charset="0"/>
+              </a:rPr>
+              <a:t>Methods </a:t>
+            </a:r>
+            <a:r>
+              <a:rPr lang="en-US" sz="1600" dirty="0">
+                <a:latin typeface="Avenir Book" charset="0"/>
+                <a:ea typeface="Avenir Book" charset="0"/>
+                <a:cs typeface="Avenir Book" charset="0"/>
+              </a:rPr>
+              <a:t>tests: K-means, </a:t>
+            </a:r>
+            <a:r>
+              <a:rPr lang="en-US" sz="1600" dirty="0" smtClean="0">
+                <a:latin typeface="Avenir Book" charset="0"/>
+                <a:ea typeface="Avenir Book" charset="0"/>
+                <a:cs typeface="Avenir Book" charset="0"/>
+              </a:rPr>
+              <a:t>DBSCAN</a:t>
+            </a:r>
+          </a:p>
+          <a:p>
+            <a:pPr marL="620713" lvl="1" indent="-285750">
               <a:lnSpc>
                 <a:spcPct val="110000"/>
               </a:lnSpc>
               <a:spcBef>
                 <a:spcPts val="0"/>
               </a:spcBef>
-              <a:buFontTx/>
-              <a:buChar char="-"/>
+              <a:buFont typeface="Arial" charset="0"/>
+              <a:buChar char="•"/>
             </a:pPr>
-            <a:endParaRPr lang="en-US" sz="1800" dirty="0">
-              <a:latin typeface="Avenir Heavy" charset="0"/>
-              <a:ea typeface="Avenir Heavy" charset="0"/>
-              <a:cs typeface="Avenir Heavy" charset="0"/>
-            </a:endParaRPr>
-          </a:p>
-          <a:p>
-            <a:pPr marL="46038" indent="0">
-              <a:lnSpc>
-                <a:spcPct val="110000"/>
-              </a:lnSpc>
-              <a:spcBef>
-                <a:spcPts val="0"/>
-              </a:spcBef>
-              <a:buNone/>
-            </a:pPr>
-            <a:r>
-              <a:rPr lang="en-US" sz="1800" b="1" dirty="0">
-                <a:solidFill>
-                  <a:schemeClr val="accent4"/>
-                </a:solidFill>
-                <a:latin typeface="Avenir Heavy" charset="0"/>
-                <a:ea typeface="Avenir Heavy" charset="0"/>
-                <a:cs typeface="Avenir Heavy" charset="0"/>
-              </a:rPr>
-              <a:t>What would be the next two or three things you want to try? What impact might they have</a:t>
-            </a:r>
-            <a:r>
-              <a:rPr lang="en-US" sz="1800" b="1" dirty="0" smtClean="0">
-                <a:solidFill>
-                  <a:schemeClr val="accent4"/>
-                </a:solidFill>
-                <a:latin typeface="Avenir Heavy" charset="0"/>
-                <a:ea typeface="Avenir Heavy" charset="0"/>
-                <a:cs typeface="Avenir Heavy" charset="0"/>
-              </a:rPr>
-              <a:t>?</a:t>
-            </a:r>
-          </a:p>
-          <a:p>
-            <a:pPr>
-              <a:lnSpc>
-                <a:spcPct val="110000"/>
-              </a:lnSpc>
-              <a:spcBef>
-                <a:spcPts val="0"/>
-              </a:spcBef>
-              <a:buFontTx/>
-              <a:buChar char="-"/>
-            </a:pPr>
-            <a:r>
-              <a:rPr lang="en-US" sz="1800" dirty="0" smtClean="0">
-                <a:latin typeface="Avenir Heavy" charset="0"/>
-                <a:ea typeface="Avenir Heavy" charset="0"/>
-                <a:cs typeface="Avenir Heavy" charset="0"/>
-              </a:rPr>
-              <a:t>Try correlation of clusters with other indicative data e.g., regions, income</a:t>
-            </a:r>
-          </a:p>
-          <a:p>
-            <a:pPr>
-              <a:lnSpc>
-                <a:spcPct val="110000"/>
-              </a:lnSpc>
-              <a:spcBef>
-                <a:spcPts val="0"/>
-              </a:spcBef>
-              <a:buFontTx/>
-              <a:buChar char="-"/>
-            </a:pPr>
-            <a:endParaRPr lang="en-US" sz="1800" b="1" dirty="0">
+            <a:r>
+              <a:rPr lang="en-US" sz="1600" dirty="0" smtClean="0">
+                <a:latin typeface="Avenir Book" charset="0"/>
+                <a:ea typeface="Avenir Book" charset="0"/>
+                <a:cs typeface="Avenir Book" charset="0"/>
+              </a:rPr>
+              <a:t>Use </a:t>
+            </a:r>
+            <a:r>
+              <a:rPr lang="en-US" sz="1600" dirty="0">
+                <a:latin typeface="Avenir Book" charset="0"/>
+                <a:ea typeface="Avenir Book" charset="0"/>
+                <a:cs typeface="Avenir Book" charset="0"/>
+              </a:rPr>
+              <a:t>Silhouette Coefficient to determine number of clusters </a:t>
+            </a:r>
+            <a:endParaRPr lang="en-US" b="1" dirty="0">
               <a:solidFill>
-                <a:schemeClr val="accent4"/>
+                <a:schemeClr val="accent5"/>
               </a:solidFill>
               <a:latin typeface="Avenir Heavy" charset="0"/>
               <a:ea typeface="Avenir Heavy" charset="0"/>
@@ -17899,79 +17312,232 @@
             </a:endParaRPr>
           </a:p>
           <a:p>
-            <a:pPr marL="46038" indent="0">
+            <a:pPr marL="388938" indent="-342900">
               <a:lnSpc>
                 <a:spcPct val="110000"/>
               </a:lnSpc>
               <a:spcBef>
-                <a:spcPts val="0"/>
-              </a:spcBef>
-              <a:buNone/>
+                <a:spcPts val="600"/>
+              </a:spcBef>
+              <a:buFont typeface="Lucida Grande"/>
+              <a:buAutoNum type="arabicPeriod"/>
             </a:pPr>
             <a:r>
-              <a:rPr lang="en-US" sz="1800" b="1" dirty="0">
-                <a:solidFill>
-                  <a:schemeClr val="accent4"/>
+              <a:rPr lang="en-US" sz="1800" b="1" dirty="0" smtClean="0">
+                <a:solidFill>
+                  <a:schemeClr val="accent5"/>
                 </a:solidFill>
                 <a:latin typeface="Avenir Heavy" charset="0"/>
                 <a:ea typeface="Avenir Heavy" charset="0"/>
                 <a:cs typeface="Avenir Heavy" charset="0"/>
               </a:rPr>
-              <a:t>What might your conclusions enable others to do</a:t>
-            </a:r>
+              <a:t>Clustering DBSCAN</a:t>
+            </a:r>
+            <a:endParaRPr lang="en-US" sz="1800" b="1" dirty="0">
+              <a:solidFill>
+                <a:schemeClr val="accent5"/>
+              </a:solidFill>
+              <a:latin typeface="Avenir Heavy" charset="0"/>
+              <a:ea typeface="Avenir Heavy" charset="0"/>
+              <a:cs typeface="Avenir Heavy" charset="0"/>
+            </a:endParaRPr>
+          </a:p>
+          <a:p>
+            <a:pPr marL="671513" lvl="2" indent="-342900">
+              <a:lnSpc>
+                <a:spcPct val="110000"/>
+              </a:lnSpc>
+              <a:spcBef>
+                <a:spcPts val="0"/>
+              </a:spcBef>
+              <a:buFont typeface="Arial" charset="0"/>
+              <a:buChar char="•"/>
+            </a:pPr>
+            <a:r>
+              <a:rPr lang="en-US" sz="1600" dirty="0">
+                <a:latin typeface="Avenir Book" charset="0"/>
+                <a:ea typeface="Avenir Book" charset="0"/>
+                <a:cs typeface="Avenir Book" charset="0"/>
+              </a:rPr>
+              <a:t>Compare silhouette scores of different clustering algorithms to determine the preferred model </a:t>
+            </a:r>
+            <a:endParaRPr lang="en-US" b="1" dirty="0">
+              <a:solidFill>
+                <a:schemeClr val="accent5"/>
+              </a:solidFill>
+              <a:latin typeface="Avenir Heavy" charset="0"/>
+              <a:ea typeface="Avenir Heavy" charset="0"/>
+              <a:cs typeface="Avenir Heavy" charset="0"/>
+            </a:endParaRPr>
+          </a:p>
+          <a:p>
+            <a:pPr marL="388938" indent="-342900">
+              <a:lnSpc>
+                <a:spcPct val="110000"/>
+              </a:lnSpc>
+              <a:spcBef>
+                <a:spcPts val="600"/>
+              </a:spcBef>
+              <a:buFont typeface="Lucida Grande"/>
+              <a:buAutoNum type="arabicPeriod"/>
+            </a:pPr>
             <a:r>
               <a:rPr lang="en-US" sz="1800" b="1" dirty="0" smtClean="0">
                 <a:solidFill>
-                  <a:schemeClr val="accent4"/>
+                  <a:schemeClr val="accent5"/>
                 </a:solidFill>
                 <a:latin typeface="Avenir Heavy" charset="0"/>
                 <a:ea typeface="Avenir Heavy" charset="0"/>
                 <a:cs typeface="Avenir Heavy" charset="0"/>
               </a:rPr>
-              <a:t>?</a:t>
-            </a:r>
-          </a:p>
-          <a:p>
-            <a:pPr marL="46038" indent="0">
+              <a:t>Silhouette scores </a:t>
+            </a:r>
+          </a:p>
+          <a:p>
+            <a:pPr marL="677863" lvl="1" indent="-342900">
               <a:lnSpc>
                 <a:spcPct val="110000"/>
               </a:lnSpc>
               <a:spcBef>
                 <a:spcPts val="0"/>
               </a:spcBef>
-              <a:buNone/>
+              <a:buFont typeface="Arial" charset="0"/>
+              <a:buChar char="•"/>
             </a:pPr>
             <a:r>
-              <a:rPr lang="en-US" sz="1800" dirty="0" smtClean="0">
+              <a:rPr lang="en-US" sz="1600" dirty="0" smtClean="0">
+                <a:latin typeface="Avenir Book" charset="0"/>
+                <a:ea typeface="Avenir Book" charset="0"/>
+                <a:cs typeface="Avenir Book" charset="0"/>
+              </a:rPr>
+              <a:t>Compare </a:t>
+            </a:r>
+            <a:r>
+              <a:rPr lang="en-US" sz="1600" dirty="0">
+                <a:latin typeface="Avenir Book" charset="0"/>
+                <a:ea typeface="Avenir Book" charset="0"/>
+                <a:cs typeface="Avenir Book" charset="0"/>
+              </a:rPr>
+              <a:t>silhouette scores of different clustering algorithms to determine the preferred model </a:t>
+            </a:r>
+            <a:endParaRPr lang="en-US" sz="1600" dirty="0" smtClean="0">
+              <a:latin typeface="Avenir Book" charset="0"/>
+              <a:ea typeface="Avenir Book" charset="0"/>
+              <a:cs typeface="Avenir Book" charset="0"/>
+            </a:endParaRPr>
+          </a:p>
+          <a:p>
+            <a:pPr marL="677863" lvl="1" indent="-342900">
+              <a:lnSpc>
+                <a:spcPct val="110000"/>
+              </a:lnSpc>
+              <a:spcBef>
+                <a:spcPts val="0"/>
+              </a:spcBef>
+              <a:buFont typeface="Arial" charset="0"/>
+              <a:buChar char="•"/>
+            </a:pPr>
+            <a:r>
+              <a:rPr lang="en-US" sz="1600" dirty="0" smtClean="0">
+                <a:latin typeface="Avenir Book" charset="0"/>
+                <a:ea typeface="Avenir Book" charset="0"/>
+                <a:cs typeface="Avenir Book" charset="0"/>
+              </a:rPr>
+              <a:t>Cluster based on best silhouette coefficients</a:t>
+            </a:r>
+            <a:endParaRPr lang="en-US" sz="1600" dirty="0" smtClean="0">
+              <a:latin typeface="Avenir Heavy" charset="0"/>
+              <a:ea typeface="Avenir Heavy" charset="0"/>
+              <a:cs typeface="Avenir Heavy" charset="0"/>
+            </a:endParaRPr>
+          </a:p>
+          <a:p>
+            <a:pPr marL="388938" indent="-342900">
+              <a:lnSpc>
+                <a:spcPct val="110000"/>
+              </a:lnSpc>
+              <a:spcBef>
+                <a:spcPts val="600"/>
+              </a:spcBef>
+              <a:buFont typeface="Lucida Grande"/>
+              <a:buAutoNum type="arabicPeriod"/>
+            </a:pPr>
+            <a:r>
+              <a:rPr lang="en-US" sz="1800" b="1" dirty="0">
+                <a:solidFill>
+                  <a:schemeClr val="accent5"/>
+                </a:solidFill>
                 <a:latin typeface="Avenir Heavy" charset="0"/>
                 <a:ea typeface="Avenir Heavy" charset="0"/>
                 <a:cs typeface="Avenir Heavy" charset="0"/>
               </a:rPr>
-              <a:t>- Focus on health-related issues as an area to tailor ICT solutions </a:t>
-            </a:r>
-          </a:p>
-          <a:p>
-            <a:pPr marL="46038" indent="0">
+              <a:t>Analysis of Results  </a:t>
+            </a:r>
+            <a:endParaRPr lang="en-US" sz="1800" b="1" dirty="0" smtClean="0">
+              <a:solidFill>
+                <a:schemeClr val="accent5"/>
+              </a:solidFill>
+              <a:latin typeface="Avenir Heavy" charset="0"/>
+              <a:ea typeface="Avenir Heavy" charset="0"/>
+              <a:cs typeface="Avenir Heavy" charset="0"/>
+            </a:endParaRPr>
+          </a:p>
+          <a:p>
+            <a:pPr marL="677863" lvl="1" indent="-342900">
               <a:lnSpc>
                 <a:spcPct val="110000"/>
               </a:lnSpc>
               <a:spcBef>
-                <a:spcPts val="0"/>
-              </a:spcBef>
-              <a:buNone/>
+                <a:spcPts val="600"/>
+              </a:spcBef>
+              <a:buFont typeface="Arial" charset="0"/>
+              <a:buChar char="•"/>
             </a:pPr>
             <a:r>
-              <a:rPr lang="en-US" sz="1800" dirty="0" smtClean="0">
-                <a:latin typeface="Avenir Heavy" charset="0"/>
-                <a:ea typeface="Avenir Heavy" charset="0"/>
-                <a:cs typeface="Avenir Heavy" charset="0"/>
-              </a:rPr>
-              <a:t>- Refine metrics for sustainable development</a:t>
-            </a:r>
-            <a:endParaRPr lang="en-US" sz="1800" b="1" dirty="0">
-              <a:solidFill>
-                <a:schemeClr val="accent4"/>
-              </a:solidFill>
+              <a:rPr lang="en-US" sz="1600" dirty="0" smtClean="0">
+                <a:latin typeface="Avenir Book" charset="0"/>
+                <a:ea typeface="Avenir Book" charset="0"/>
+                <a:cs typeface="Avenir Book" charset="0"/>
+              </a:rPr>
+              <a:t>Merge back with data to test correlation (</a:t>
+            </a:r>
+            <a:r>
+              <a:rPr lang="en-US" sz="1600" dirty="0" err="1" smtClean="0">
+                <a:latin typeface="Avenir Book" charset="0"/>
+                <a:ea typeface="Avenir Book" charset="0"/>
+                <a:cs typeface="Avenir Book" charset="0"/>
+              </a:rPr>
+              <a:t>gdp</a:t>
+            </a:r>
+            <a:r>
+              <a:rPr lang="en-US" sz="1600" dirty="0" smtClean="0">
+                <a:latin typeface="Avenir Book" charset="0"/>
+                <a:ea typeface="Avenir Book" charset="0"/>
+                <a:cs typeface="Avenir Book" charset="0"/>
+              </a:rPr>
+              <a:t>, regions?)</a:t>
+            </a:r>
+          </a:p>
+          <a:p>
+            <a:pPr marL="677863" lvl="1" indent="-342900">
+              <a:lnSpc>
+                <a:spcPct val="110000"/>
+              </a:lnSpc>
+              <a:spcBef>
+                <a:spcPts val="600"/>
+              </a:spcBef>
+              <a:buFont typeface="Arial" charset="0"/>
+              <a:buChar char="•"/>
+            </a:pPr>
+            <a:r>
+              <a:rPr lang="en-US" sz="1600" dirty="0" smtClean="0">
+                <a:latin typeface="Avenir Book" charset="0"/>
+                <a:ea typeface="Avenir Book" charset="0"/>
+                <a:cs typeface="Avenir Book" charset="0"/>
+              </a:rPr>
+              <a:t>What is the clustering telling me about the data?</a:t>
+            </a:r>
+            <a:endParaRPr lang="en-US" sz="1600" dirty="0">
               <a:latin typeface="Avenir Heavy" charset="0"/>
               <a:ea typeface="Avenir Heavy" charset="0"/>
               <a:cs typeface="Avenir Heavy" charset="0"/>
@@ -18002,7 +17568,7 @@
     </p:spTree>
     <p:extLst>
       <p:ext uri="{BB962C8B-B14F-4D97-AF65-F5344CB8AC3E}">
-        <p14:creationId xmlns:p14="http://schemas.microsoft.com/office/powerpoint/2010/main" val="2113127499"/>
+        <p14:creationId xmlns:p14="http://schemas.microsoft.com/office/powerpoint/2010/main" val="1545785795"/>
       </p:ext>
     </p:extLst>
   </p:cSld>
@@ -18089,7 +17655,15 @@
                 <a:ea typeface="Avenir Heavy" charset="0"/>
                 <a:cs typeface="Avenir Heavy" charset="0"/>
               </a:rPr>
-              <a:t>Acknowledgements</a:t>
+              <a:t>Conclusion: </a:t>
+            </a:r>
+            <a:r>
+              <a:rPr lang="en-US" dirty="0" smtClean="0">
+                <a:latin typeface="Avenir Book" charset="0"/>
+                <a:ea typeface="Avenir Book" charset="0"/>
+                <a:cs typeface="Avenir Book" charset="0"/>
+              </a:rPr>
+              <a:t>Takeaways </a:t>
             </a:r>
             <a:endParaRPr lang="en-US" b="1" dirty="0"/>
           </a:p>
@@ -18106,7 +17680,7 @@
         <p:spPr>
           <a:xfrm>
             <a:off x="293688" y="1676400"/>
-            <a:ext cx="6411911" cy="944177"/>
+            <a:ext cx="8555037" cy="944177"/>
           </a:xfrm>
           <a:prstGeom prst="rect">
             <a:avLst/>
@@ -18259,30 +17833,160 @@
             </a:lvl9pPr>
           </a:lstStyle>
           <a:p>
-            <a:pPr marL="388938" indent="-342900">
+            <a:pPr marL="46038" indent="0">
               <a:lnSpc>
                 <a:spcPct val="110000"/>
               </a:lnSpc>
               <a:spcBef>
                 <a:spcPts val="0"/>
               </a:spcBef>
-              <a:buAutoNum type="arabicPeriod"/>
+              <a:buNone/>
             </a:pPr>
             <a:r>
               <a:rPr lang="en-US" sz="1800" b="1" dirty="0" smtClean="0">
                 <a:solidFill>
-                  <a:schemeClr val="accent5"/>
+                  <a:schemeClr val="accent4"/>
                 </a:solidFill>
                 <a:latin typeface="Avenir Heavy" charset="0"/>
                 <a:ea typeface="Avenir Heavy" charset="0"/>
                 <a:cs typeface="Avenir Heavy" charset="0"/>
               </a:rPr>
-              <a:t>Thanks!!!</a:t>
-            </a:r>
+              <a:t>What </a:t>
+            </a:r>
+            <a:r>
+              <a:rPr lang="en-US" sz="1800" b="1" dirty="0">
+                <a:solidFill>
+                  <a:schemeClr val="accent4"/>
+                </a:solidFill>
+                <a:latin typeface="Avenir Heavy" charset="0"/>
+                <a:ea typeface="Avenir Heavy" charset="0"/>
+                <a:cs typeface="Avenir Heavy" charset="0"/>
+              </a:rPr>
+              <a:t>had the most impact on your work</a:t>
+            </a:r>
+            <a:r>
+              <a:rPr lang="en-US" sz="1800" b="1" dirty="0" smtClean="0">
+                <a:solidFill>
+                  <a:schemeClr val="accent4"/>
+                </a:solidFill>
+                <a:latin typeface="Avenir Heavy" charset="0"/>
+                <a:ea typeface="Avenir Heavy" charset="0"/>
+                <a:cs typeface="Avenir Heavy" charset="0"/>
+              </a:rPr>
+              <a:t>?</a:t>
+            </a:r>
+          </a:p>
+          <a:p>
+            <a:pPr>
+              <a:lnSpc>
+                <a:spcPct val="110000"/>
+              </a:lnSpc>
+              <a:spcBef>
+                <a:spcPts val="0"/>
+              </a:spcBef>
+              <a:buFontTx/>
+              <a:buChar char="-"/>
+            </a:pPr>
+            <a:r>
+              <a:rPr lang="en-US" sz="1800" dirty="0" smtClean="0">
+                <a:latin typeface="Avenir Heavy" charset="0"/>
+                <a:ea typeface="Avenir Heavy" charset="0"/>
+                <a:cs typeface="Avenir Heavy" charset="0"/>
+              </a:rPr>
+              <a:t>Isolating certain variables using Lasso and Ridge </a:t>
+            </a:r>
+          </a:p>
+          <a:p>
+            <a:pPr>
+              <a:lnSpc>
+                <a:spcPct val="110000"/>
+              </a:lnSpc>
+              <a:spcBef>
+                <a:spcPts val="0"/>
+              </a:spcBef>
+              <a:buFontTx/>
+              <a:buChar char="-"/>
+            </a:pPr>
+            <a:r>
+              <a:rPr lang="en-US" sz="1800" dirty="0" smtClean="0">
+                <a:latin typeface="Avenir Heavy" charset="0"/>
+                <a:ea typeface="Avenir Heavy" charset="0"/>
+                <a:cs typeface="Avenir Heavy" charset="0"/>
+              </a:rPr>
+              <a:t>Clustering to find similarities among countries </a:t>
+            </a:r>
+          </a:p>
+          <a:p>
+            <a:pPr marL="46038" indent="0">
+              <a:lnSpc>
+                <a:spcPct val="110000"/>
+              </a:lnSpc>
+              <a:spcBef>
+                <a:spcPts val="0"/>
+              </a:spcBef>
+              <a:buNone/>
+            </a:pPr>
             <a:endParaRPr lang="en-US" sz="1800" b="1" dirty="0">
               <a:solidFill>
                 <a:schemeClr val="accent4"/>
               </a:solidFill>
+              <a:latin typeface="Avenir Heavy" charset="0"/>
+              <a:ea typeface="Avenir Heavy" charset="0"/>
+              <a:cs typeface="Avenir Heavy" charset="0"/>
+            </a:endParaRPr>
+          </a:p>
+          <a:p>
+            <a:pPr marL="46038" indent="0">
+              <a:lnSpc>
+                <a:spcPct val="110000"/>
+              </a:lnSpc>
+              <a:spcBef>
+                <a:spcPts val="0"/>
+              </a:spcBef>
+              <a:buNone/>
+            </a:pPr>
+            <a:r>
+              <a:rPr lang="en-US" sz="1800" b="1" dirty="0">
+                <a:solidFill>
+                  <a:schemeClr val="accent4"/>
+                </a:solidFill>
+                <a:latin typeface="Avenir Heavy" charset="0"/>
+                <a:ea typeface="Avenir Heavy" charset="0"/>
+                <a:cs typeface="Avenir Heavy" charset="0"/>
+              </a:rPr>
+              <a:t>What can you confirm? What can you suggest? What is still to be determined</a:t>
+            </a:r>
+            <a:r>
+              <a:rPr lang="en-US" sz="1800" b="1" dirty="0" smtClean="0">
+                <a:solidFill>
+                  <a:schemeClr val="accent4"/>
+                </a:solidFill>
+                <a:latin typeface="Avenir Heavy" charset="0"/>
+                <a:ea typeface="Avenir Heavy" charset="0"/>
+                <a:cs typeface="Avenir Heavy" charset="0"/>
+              </a:rPr>
+              <a:t>?</a:t>
+            </a:r>
+          </a:p>
+          <a:p>
+            <a:pPr marL="46038" indent="0">
+              <a:lnSpc>
+                <a:spcPct val="110000"/>
+              </a:lnSpc>
+              <a:spcBef>
+                <a:spcPts val="0"/>
+              </a:spcBef>
+              <a:buNone/>
+            </a:pPr>
+            <a:r>
+              <a:rPr lang="en-US" sz="1800" dirty="0" smtClean="0">
+                <a:latin typeface="Avenir Heavy" charset="0"/>
+                <a:ea typeface="Avenir Heavy" charset="0"/>
+                <a:cs typeface="Avenir Heavy" charset="0"/>
+              </a:rPr>
+              <a:t>- Health-related issues (maternal mortality, neonatal mortality, etc.) are more correlated with ICT development </a:t>
+            </a:r>
+            <a:endParaRPr lang="en-US" sz="1800" dirty="0">
               <a:latin typeface="Avenir Heavy" charset="0"/>
               <a:ea typeface="Avenir Heavy" charset="0"/>
               <a:cs typeface="Avenir Heavy" charset="0"/>
@@ -18313,7 +18017,7 @@
     </p:spTree>
     <p:extLst>
       <p:ext uri="{BB962C8B-B14F-4D97-AF65-F5344CB8AC3E}">
-        <p14:creationId xmlns:p14="http://schemas.microsoft.com/office/powerpoint/2010/main" val="44613096"/>
+        <p14:creationId xmlns:p14="http://schemas.microsoft.com/office/powerpoint/2010/main" val="1870881157"/>
       </p:ext>
     </p:extLst>
   </p:cSld>
@@ -18400,7 +18104,15 @@
                 <a:ea typeface="Avenir Heavy" charset="0"/>
                 <a:cs typeface="Avenir Heavy" charset="0"/>
               </a:rPr>
-              <a:t>Citations</a:t>
+              <a:t>Next Steps: </a:t>
+            </a:r>
+            <a:r>
+              <a:rPr lang="en-US" dirty="0" smtClean="0">
+                <a:latin typeface="Avenir Book" charset="0"/>
+                <a:ea typeface="Avenir Book" charset="0"/>
+                <a:cs typeface="Avenir Book" charset="0"/>
+              </a:rPr>
+              <a:t>Further Explorations  </a:t>
             </a:r>
             <a:endParaRPr lang="en-US" b="1" dirty="0"/>
           </a:p>
@@ -18417,7 +18129,7 @@
         <p:spPr>
           <a:xfrm>
             <a:off x="293688" y="1676400"/>
-            <a:ext cx="6411911" cy="944177"/>
+            <a:ext cx="8555037" cy="3120887"/>
           </a:xfrm>
           <a:prstGeom prst="rect">
             <a:avLst/>
@@ -18570,25 +18282,248 @@
             </a:lvl9pPr>
           </a:lstStyle>
           <a:p>
-            <a:pPr marL="388938" indent="-342900">
+            <a:pPr marL="46038" indent="0">
               <a:lnSpc>
                 <a:spcPct val="110000"/>
               </a:lnSpc>
               <a:spcBef>
                 <a:spcPts val="0"/>
               </a:spcBef>
-              <a:buAutoNum type="arabicPeriod"/>
+              <a:buNone/>
             </a:pPr>
             <a:r>
               <a:rPr lang="en-US" sz="1800" b="1" dirty="0" smtClean="0">
                 <a:solidFill>
-                  <a:schemeClr val="accent5"/>
+                  <a:schemeClr val="accent4"/>
                 </a:solidFill>
                 <a:latin typeface="Avenir Heavy" charset="0"/>
                 <a:ea typeface="Avenir Heavy" charset="0"/>
                 <a:cs typeface="Avenir Heavy" charset="0"/>
               </a:rPr>
-              <a:t>Links to reference material and data </a:t>
+              <a:t>What </a:t>
+            </a:r>
+            <a:r>
+              <a:rPr lang="en-US" sz="1800" b="1" dirty="0">
+                <a:solidFill>
+                  <a:schemeClr val="accent4"/>
+                </a:solidFill>
+                <a:latin typeface="Avenir Heavy" charset="0"/>
+                <a:ea typeface="Avenir Heavy" charset="0"/>
+                <a:cs typeface="Avenir Heavy" charset="0"/>
+              </a:rPr>
+              <a:t>should this project do moving forward</a:t>
+            </a:r>
+            <a:r>
+              <a:rPr lang="en-US" sz="1800" b="1" dirty="0" smtClean="0">
+                <a:solidFill>
+                  <a:schemeClr val="accent4"/>
+                </a:solidFill>
+                <a:latin typeface="Avenir Heavy" charset="0"/>
+                <a:ea typeface="Avenir Heavy" charset="0"/>
+                <a:cs typeface="Avenir Heavy" charset="0"/>
+              </a:rPr>
+              <a:t>?</a:t>
+            </a:r>
+          </a:p>
+          <a:p>
+            <a:pPr>
+              <a:lnSpc>
+                <a:spcPct val="110000"/>
+              </a:lnSpc>
+              <a:spcBef>
+                <a:spcPts val="0"/>
+              </a:spcBef>
+              <a:buFontTx/>
+              <a:buChar char="-"/>
+            </a:pPr>
+            <a:r>
+              <a:rPr lang="en-US" sz="1800" dirty="0" smtClean="0">
+                <a:latin typeface="Avenir Heavy" charset="0"/>
+                <a:ea typeface="Avenir Heavy" charset="0"/>
+                <a:cs typeface="Avenir Heavy" charset="0"/>
+              </a:rPr>
+              <a:t>Test more models </a:t>
+            </a:r>
+          </a:p>
+          <a:p>
+            <a:pPr>
+              <a:lnSpc>
+                <a:spcPct val="110000"/>
+              </a:lnSpc>
+              <a:spcBef>
+                <a:spcPts val="0"/>
+              </a:spcBef>
+              <a:buFontTx/>
+              <a:buChar char="-"/>
+            </a:pPr>
+            <a:r>
+              <a:rPr lang="en-US" sz="1800" dirty="0" smtClean="0">
+                <a:latin typeface="Avenir Heavy" charset="0"/>
+                <a:ea typeface="Avenir Heavy" charset="0"/>
+                <a:cs typeface="Avenir Heavy" charset="0"/>
+              </a:rPr>
+              <a:t>Try different, potentially more relevant, features </a:t>
+            </a:r>
+          </a:p>
+          <a:p>
+            <a:pPr>
+              <a:lnSpc>
+                <a:spcPct val="110000"/>
+              </a:lnSpc>
+              <a:spcBef>
+                <a:spcPts val="0"/>
+              </a:spcBef>
+              <a:buFontTx/>
+              <a:buChar char="-"/>
+            </a:pPr>
+            <a:endParaRPr lang="en-US" sz="1800" dirty="0">
+              <a:latin typeface="Avenir Heavy" charset="0"/>
+              <a:ea typeface="Avenir Heavy" charset="0"/>
+              <a:cs typeface="Avenir Heavy" charset="0"/>
+            </a:endParaRPr>
+          </a:p>
+          <a:p>
+            <a:pPr marL="46038" indent="0">
+              <a:lnSpc>
+                <a:spcPct val="110000"/>
+              </a:lnSpc>
+              <a:spcBef>
+                <a:spcPts val="0"/>
+              </a:spcBef>
+              <a:buNone/>
+            </a:pPr>
+            <a:r>
+              <a:rPr lang="en-US" sz="1800" b="1" dirty="0">
+                <a:solidFill>
+                  <a:schemeClr val="accent4"/>
+                </a:solidFill>
+                <a:latin typeface="Avenir Heavy" charset="0"/>
+                <a:ea typeface="Avenir Heavy" charset="0"/>
+                <a:cs typeface="Avenir Heavy" charset="0"/>
+              </a:rPr>
+              <a:t>What would be the next two or three things you want to try? What impact might they have</a:t>
+            </a:r>
+            <a:r>
+              <a:rPr lang="en-US" sz="1800" b="1" dirty="0" smtClean="0">
+                <a:solidFill>
+                  <a:schemeClr val="accent4"/>
+                </a:solidFill>
+                <a:latin typeface="Avenir Heavy" charset="0"/>
+                <a:ea typeface="Avenir Heavy" charset="0"/>
+                <a:cs typeface="Avenir Heavy" charset="0"/>
+              </a:rPr>
+              <a:t>?</a:t>
+            </a:r>
+          </a:p>
+          <a:p>
+            <a:pPr>
+              <a:lnSpc>
+                <a:spcPct val="110000"/>
+              </a:lnSpc>
+              <a:spcBef>
+                <a:spcPts val="0"/>
+              </a:spcBef>
+              <a:buFontTx/>
+              <a:buChar char="-"/>
+            </a:pPr>
+            <a:r>
+              <a:rPr lang="en-US" sz="1800" dirty="0" smtClean="0">
+                <a:latin typeface="Avenir Heavy" charset="0"/>
+                <a:ea typeface="Avenir Heavy" charset="0"/>
+                <a:cs typeface="Avenir Heavy" charset="0"/>
+              </a:rPr>
+              <a:t>Try correlation of clusters with other indicative data e.g., regions, income</a:t>
+            </a:r>
+          </a:p>
+          <a:p>
+            <a:pPr>
+              <a:lnSpc>
+                <a:spcPct val="110000"/>
+              </a:lnSpc>
+              <a:spcBef>
+                <a:spcPts val="0"/>
+              </a:spcBef>
+              <a:buFontTx/>
+              <a:buChar char="-"/>
+            </a:pPr>
+            <a:endParaRPr lang="en-US" sz="1800" b="1" dirty="0">
+              <a:solidFill>
+                <a:schemeClr val="accent4"/>
+              </a:solidFill>
+              <a:latin typeface="Avenir Heavy" charset="0"/>
+              <a:ea typeface="Avenir Heavy" charset="0"/>
+              <a:cs typeface="Avenir Heavy" charset="0"/>
+            </a:endParaRPr>
+          </a:p>
+          <a:p>
+            <a:pPr marL="46038" indent="0">
+              <a:lnSpc>
+                <a:spcPct val="110000"/>
+              </a:lnSpc>
+              <a:spcBef>
+                <a:spcPts val="0"/>
+              </a:spcBef>
+              <a:buNone/>
+            </a:pPr>
+            <a:r>
+              <a:rPr lang="en-US" sz="1800" b="1" dirty="0">
+                <a:solidFill>
+                  <a:schemeClr val="accent4"/>
+                </a:solidFill>
+                <a:latin typeface="Avenir Heavy" charset="0"/>
+                <a:ea typeface="Avenir Heavy" charset="0"/>
+                <a:cs typeface="Avenir Heavy" charset="0"/>
+              </a:rPr>
+              <a:t>What might your conclusions enable others to do</a:t>
+            </a:r>
+            <a:r>
+              <a:rPr lang="en-US" sz="1800" b="1" dirty="0" smtClean="0">
+                <a:solidFill>
+                  <a:schemeClr val="accent4"/>
+                </a:solidFill>
+                <a:latin typeface="Avenir Heavy" charset="0"/>
+                <a:ea typeface="Avenir Heavy" charset="0"/>
+                <a:cs typeface="Avenir Heavy" charset="0"/>
+              </a:rPr>
+              <a:t>?</a:t>
+            </a:r>
+          </a:p>
+          <a:p>
+            <a:pPr marL="46038" indent="0">
+              <a:lnSpc>
+                <a:spcPct val="110000"/>
+              </a:lnSpc>
+              <a:spcBef>
+                <a:spcPts val="0"/>
+              </a:spcBef>
+              <a:buNone/>
+            </a:pPr>
+            <a:r>
+              <a:rPr lang="en-US" sz="1800" dirty="0" smtClean="0">
+                <a:latin typeface="Avenir Heavy" charset="0"/>
+                <a:ea typeface="Avenir Heavy" charset="0"/>
+                <a:cs typeface="Avenir Heavy" charset="0"/>
+              </a:rPr>
+              <a:t>- Focus on health-related issues as an area to tailor ICT solutions </a:t>
+            </a:r>
+          </a:p>
+          <a:p>
+            <a:pPr marL="46038" indent="0">
+              <a:lnSpc>
+                <a:spcPct val="110000"/>
+              </a:lnSpc>
+              <a:spcBef>
+                <a:spcPts val="0"/>
+              </a:spcBef>
+              <a:buNone/>
+            </a:pPr>
+            <a:r>
+              <a:rPr lang="en-US" sz="1800" dirty="0" smtClean="0">
+                <a:latin typeface="Avenir Heavy" charset="0"/>
+                <a:ea typeface="Avenir Heavy" charset="0"/>
+                <a:cs typeface="Avenir Heavy" charset="0"/>
+              </a:rPr>
+              <a:t>- Refine metrics for sustainable development</a:t>
             </a:r>
             <a:endParaRPr lang="en-US" sz="1800" b="1" dirty="0">
               <a:solidFill>
@@ -18624,7 +18559,7 @@
     </p:spTree>
     <p:extLst>
       <p:ext uri="{BB962C8B-B14F-4D97-AF65-F5344CB8AC3E}">
-        <p14:creationId xmlns:p14="http://schemas.microsoft.com/office/powerpoint/2010/main" val="407151633"/>
+        <p14:creationId xmlns:p14="http://schemas.microsoft.com/office/powerpoint/2010/main" val="2113127499"/>
       </p:ext>
     </p:extLst>
   </p:cSld>
@@ -18681,6 +18616,628 @@
               </a:rPr>
               <a:pPr/>
               <a:t>16</a:t>
+            </a:fld>
+            <a:r>
+              <a:rPr lang="en-US" dirty="0" smtClean="0"/>
+              <a:t> </a:t>
+            </a:r>
+            <a:endParaRPr lang="en-US" dirty="0"/>
+          </a:p>
+        </p:txBody>
+      </p:sp>
+      <p:sp>
+        <p:nvSpPr>
+          <p:cNvPr id="5" name="Title 4"/>
+          <p:cNvSpPr>
+            <a:spLocks noGrp="1"/>
+          </p:cNvSpPr>
+          <p:nvPr>
+            <p:ph type="title"/>
+          </p:nvPr>
+        </p:nvSpPr>
+        <p:spPr/>
+        <p:txBody>
+          <a:bodyPr/>
+          <a:lstStyle/>
+          <a:p>
+            <a:r>
+              <a:rPr lang="en-US" b="1" dirty="0" smtClean="0">
+                <a:latin typeface="Avenir Heavy" charset="0"/>
+                <a:ea typeface="Avenir Heavy" charset="0"/>
+                <a:cs typeface="Avenir Heavy" charset="0"/>
+              </a:rPr>
+              <a:t>Acknowledgements</a:t>
+            </a:r>
+            <a:endParaRPr lang="en-US" b="1" dirty="0"/>
+          </a:p>
+        </p:txBody>
+      </p:sp>
+      <p:sp>
+        <p:nvSpPr>
+          <p:cNvPr id="10" name="Content Placeholder 3"/>
+          <p:cNvSpPr txBox="1">
+            <a:spLocks/>
+          </p:cNvSpPr>
+          <p:nvPr/>
+        </p:nvSpPr>
+        <p:spPr>
+          <a:xfrm>
+            <a:off x="293688" y="1676400"/>
+            <a:ext cx="6411911" cy="944177"/>
+          </a:xfrm>
+          <a:prstGeom prst="rect">
+            <a:avLst/>
+          </a:prstGeom>
+        </p:spPr>
+        <p:txBody>
+          <a:bodyPr vert="horz" lIns="0" tIns="0" rIns="0" bIns="0" rtlCol="0">
+            <a:noAutofit/>
+          </a:bodyPr>
+          <a:lstStyle>
+            <a:lvl1pPr marL="284163" indent="-238125" algn="l" defTabSz="457200" rtl="0" eaLnBrk="1" latinLnBrk="0" hangingPunct="1">
+              <a:spcBef>
+                <a:spcPts val="800"/>
+              </a:spcBef>
+              <a:buFont typeface="Lucida Grande"/>
+              <a:buChar char="-"/>
+              <a:defRPr sz="2000" kern="1200">
+                <a:solidFill>
+                  <a:schemeClr val="tx1"/>
+                </a:solidFill>
+                <a:latin typeface="+mn-lt"/>
+                <a:ea typeface="+mn-ea"/>
+                <a:cs typeface="+mn-cs"/>
+              </a:defRPr>
+            </a:lvl1pPr>
+            <a:lvl2pPr marL="573088" indent="-123825" algn="l" defTabSz="457200" rtl="0" eaLnBrk="1" latinLnBrk="0" hangingPunct="1">
+              <a:spcBef>
+                <a:spcPts val="300"/>
+              </a:spcBef>
+              <a:buSzPct val="90000"/>
+              <a:buFont typeface="Arial"/>
+              <a:buChar char="•"/>
+              <a:defRPr sz="1800" kern="1200">
+                <a:solidFill>
+                  <a:schemeClr val="tx1"/>
+                </a:solidFill>
+                <a:latin typeface="+mn-lt"/>
+                <a:ea typeface="+mn-ea"/>
+                <a:cs typeface="+mn-cs"/>
+              </a:defRPr>
+            </a:lvl2pPr>
+            <a:lvl3pPr marL="855663" indent="-160338" algn="l" defTabSz="457200" rtl="0" eaLnBrk="1" latinLnBrk="0" hangingPunct="1">
+              <a:spcBef>
+                <a:spcPts val="200"/>
+              </a:spcBef>
+              <a:buFont typeface="Lucida Grande"/>
+              <a:buChar char="-"/>
+              <a:tabLst/>
+              <a:defRPr sz="1800" kern="1200">
+                <a:solidFill>
+                  <a:schemeClr val="tx1"/>
+                </a:solidFill>
+                <a:latin typeface="+mn-lt"/>
+                <a:ea typeface="+mn-ea"/>
+                <a:cs typeface="+mn-cs"/>
+              </a:defRPr>
+            </a:lvl3pPr>
+            <a:lvl4pPr marL="1147763" indent="-168275" algn="l" defTabSz="457200" rtl="0" eaLnBrk="1" latinLnBrk="0" hangingPunct="1">
+              <a:spcBef>
+                <a:spcPts val="100"/>
+              </a:spcBef>
+              <a:buFont typeface="Lucida Grande"/>
+              <a:buChar char="»"/>
+              <a:tabLst/>
+              <a:defRPr sz="1600" kern="1200">
+                <a:solidFill>
+                  <a:schemeClr val="tx1"/>
+                </a:solidFill>
+                <a:latin typeface="+mn-lt"/>
+                <a:ea typeface="+mn-ea"/>
+                <a:cs typeface="+mn-cs"/>
+              </a:defRPr>
+            </a:lvl4pPr>
+            <a:lvl5pPr marL="1317625" indent="-107950" algn="l" defTabSz="457200" rtl="0" eaLnBrk="1" latinLnBrk="0" hangingPunct="1">
+              <a:spcBef>
+                <a:spcPts val="0"/>
+              </a:spcBef>
+              <a:buSzPct val="90000"/>
+              <a:buFont typeface="Wingdings" charset="2"/>
+              <a:buChar char="§"/>
+              <a:tabLst/>
+              <a:defRPr sz="1400" kern="1200">
+                <a:solidFill>
+                  <a:schemeClr val="tx1"/>
+                </a:solidFill>
+                <a:latin typeface="+mn-lt"/>
+                <a:ea typeface="+mn-ea"/>
+                <a:cs typeface="+mn-cs"/>
+              </a:defRPr>
+            </a:lvl5pPr>
+            <a:lvl6pPr marL="2514600" indent="-228600" algn="l" defTabSz="457200" rtl="0" eaLnBrk="1" latinLnBrk="0" hangingPunct="1">
+              <a:spcBef>
+                <a:spcPct val="20000"/>
+              </a:spcBef>
+              <a:buFont typeface="Arial"/>
+              <a:buChar char="•"/>
+              <a:defRPr sz="2000" kern="1200">
+                <a:solidFill>
+                  <a:schemeClr val="tx1"/>
+                </a:solidFill>
+                <a:latin typeface="+mn-lt"/>
+                <a:ea typeface="+mn-ea"/>
+                <a:cs typeface="+mn-cs"/>
+              </a:defRPr>
+            </a:lvl6pPr>
+            <a:lvl7pPr marL="2971800" indent="-228600" algn="l" defTabSz="457200" rtl="0" eaLnBrk="1" latinLnBrk="0" hangingPunct="1">
+              <a:spcBef>
+                <a:spcPct val="20000"/>
+              </a:spcBef>
+              <a:buFont typeface="Arial"/>
+              <a:buChar char="•"/>
+              <a:defRPr sz="2000" kern="1200">
+                <a:solidFill>
+                  <a:schemeClr val="tx1"/>
+                </a:solidFill>
+                <a:latin typeface="+mn-lt"/>
+                <a:ea typeface="+mn-ea"/>
+                <a:cs typeface="+mn-cs"/>
+              </a:defRPr>
+            </a:lvl7pPr>
+            <a:lvl8pPr marL="3429000" indent="-228600" algn="l" defTabSz="457200" rtl="0" eaLnBrk="1" latinLnBrk="0" hangingPunct="1">
+              <a:spcBef>
+                <a:spcPct val="20000"/>
+              </a:spcBef>
+              <a:buFont typeface="Arial"/>
+              <a:buChar char="•"/>
+              <a:defRPr sz="2000" kern="1200">
+                <a:solidFill>
+                  <a:schemeClr val="tx1"/>
+                </a:solidFill>
+                <a:latin typeface="+mn-lt"/>
+                <a:ea typeface="+mn-ea"/>
+                <a:cs typeface="+mn-cs"/>
+              </a:defRPr>
+            </a:lvl8pPr>
+            <a:lvl9pPr marL="3886200" indent="-228600" algn="l" defTabSz="457200" rtl="0" eaLnBrk="1" latinLnBrk="0" hangingPunct="1">
+              <a:spcBef>
+                <a:spcPct val="20000"/>
+              </a:spcBef>
+              <a:buFont typeface="Arial"/>
+              <a:buChar char="•"/>
+              <a:defRPr sz="2000" kern="1200">
+                <a:solidFill>
+                  <a:schemeClr val="tx1"/>
+                </a:solidFill>
+                <a:latin typeface="+mn-lt"/>
+                <a:ea typeface="+mn-ea"/>
+                <a:cs typeface="+mn-cs"/>
+              </a:defRPr>
+            </a:lvl9pPr>
+          </a:lstStyle>
+          <a:p>
+            <a:pPr marL="388938" indent="-342900">
+              <a:lnSpc>
+                <a:spcPct val="110000"/>
+              </a:lnSpc>
+              <a:spcBef>
+                <a:spcPts val="0"/>
+              </a:spcBef>
+              <a:buAutoNum type="arabicPeriod"/>
+            </a:pPr>
+            <a:r>
+              <a:rPr lang="en-US" sz="1800" b="1" dirty="0" smtClean="0">
+                <a:solidFill>
+                  <a:schemeClr val="accent5"/>
+                </a:solidFill>
+                <a:latin typeface="Avenir Heavy" charset="0"/>
+                <a:ea typeface="Avenir Heavy" charset="0"/>
+                <a:cs typeface="Avenir Heavy" charset="0"/>
+              </a:rPr>
+              <a:t>Thanks!!!</a:t>
+            </a:r>
+            <a:endParaRPr lang="en-US" sz="1800" b="1" dirty="0">
+              <a:solidFill>
+                <a:schemeClr val="accent4"/>
+              </a:solidFill>
+              <a:latin typeface="Avenir Heavy" charset="0"/>
+              <a:ea typeface="Avenir Heavy" charset="0"/>
+              <a:cs typeface="Avenir Heavy" charset="0"/>
+            </a:endParaRPr>
+          </a:p>
+          <a:p>
+            <a:pPr marL="388938" indent="-342900">
+              <a:lnSpc>
+                <a:spcPct val="110000"/>
+              </a:lnSpc>
+              <a:spcBef>
+                <a:spcPts val="600"/>
+              </a:spcBef>
+              <a:buFont typeface="Lucida Grande"/>
+              <a:buAutoNum type="arabicPeriod"/>
+            </a:pPr>
+            <a:endParaRPr lang="en-US" sz="1800" b="1" dirty="0">
+              <a:solidFill>
+                <a:schemeClr val="accent5"/>
+              </a:solidFill>
+              <a:latin typeface="Avenir Heavy" charset="0"/>
+              <a:ea typeface="Avenir Heavy" charset="0"/>
+              <a:cs typeface="Avenir Heavy" charset="0"/>
+            </a:endParaRPr>
+          </a:p>
+        </p:txBody>
+      </p:sp>
+    </p:spTree>
+    <p:extLst>
+      <p:ext uri="{BB962C8B-B14F-4D97-AF65-F5344CB8AC3E}">
+        <p14:creationId xmlns:p14="http://schemas.microsoft.com/office/powerpoint/2010/main" val="44613096"/>
+      </p:ext>
+    </p:extLst>
+  </p:cSld>
+  <p:clrMapOvr>
+    <a:masterClrMapping/>
+  </p:clrMapOvr>
+  <p:timing>
+    <p:tnLst>
+      <p:par>
+        <p:cTn id="1" dur="indefinite" restart="never" nodeType="tmRoot"/>
+      </p:par>
+    </p:tnLst>
+  </p:timing>
+</p:sld>
+</file>
+
+<file path=ppt/slides/slide17.xml><?xml version="1.0" encoding="utf-8"?>
+<p:sld xmlns:a="http://schemas.openxmlformats.org/drawingml/2006/main" xmlns:r="http://schemas.openxmlformats.org/officeDocument/2006/relationships" xmlns:p="http://schemas.openxmlformats.org/presentationml/2006/main">
+  <p:cSld>
+    <p:spTree>
+      <p:nvGrpSpPr>
+        <p:cNvPr id="1" name=""/>
+        <p:cNvGrpSpPr/>
+        <p:nvPr/>
+      </p:nvGrpSpPr>
+      <p:grpSpPr>
+        <a:xfrm>
+          <a:off x="0" y="0"/>
+          <a:ext cx="0" cy="0"/>
+          <a:chOff x="0" y="0"/>
+          <a:chExt cx="0" cy="0"/>
+        </a:xfrm>
+      </p:grpSpPr>
+      <p:sp>
+        <p:nvSpPr>
+          <p:cNvPr id="3" name="Slide Number Placeholder 2"/>
+          <p:cNvSpPr>
+            <a:spLocks noGrp="1"/>
+          </p:cNvSpPr>
+          <p:nvPr>
+            <p:ph type="sldNum" sz="quarter" idx="13"/>
+          </p:nvPr>
+        </p:nvSpPr>
+        <p:spPr/>
+        <p:txBody>
+          <a:bodyPr/>
+          <a:lstStyle/>
+          <a:p>
+            <a:fld id="{6E8AC524-ECFE-0943-AE42-A78C0A9D9D75}" type="slidenum">
+              <a:rPr lang="en-US" smtClean="0">
+                <a:solidFill>
+                  <a:schemeClr val="tx2"/>
+                </a:solidFill>
+              </a:rPr>
+              <a:pPr/>
+              <a:t>17</a:t>
+            </a:fld>
+            <a:r>
+              <a:rPr lang="en-US" dirty="0" smtClean="0"/>
+              <a:t> </a:t>
+            </a:r>
+            <a:endParaRPr lang="en-US" dirty="0"/>
+          </a:p>
+        </p:txBody>
+      </p:sp>
+      <p:sp>
+        <p:nvSpPr>
+          <p:cNvPr id="5" name="Title 4"/>
+          <p:cNvSpPr>
+            <a:spLocks noGrp="1"/>
+          </p:cNvSpPr>
+          <p:nvPr>
+            <p:ph type="title"/>
+          </p:nvPr>
+        </p:nvSpPr>
+        <p:spPr/>
+        <p:txBody>
+          <a:bodyPr/>
+          <a:lstStyle/>
+          <a:p>
+            <a:r>
+              <a:rPr lang="en-US" b="1" dirty="0" smtClean="0">
+                <a:latin typeface="Avenir Heavy" charset="0"/>
+                <a:ea typeface="Avenir Heavy" charset="0"/>
+                <a:cs typeface="Avenir Heavy" charset="0"/>
+              </a:rPr>
+              <a:t>Citations</a:t>
+            </a:r>
+            <a:endParaRPr lang="en-US" b="1" dirty="0"/>
+          </a:p>
+        </p:txBody>
+      </p:sp>
+      <p:sp>
+        <p:nvSpPr>
+          <p:cNvPr id="10" name="Content Placeholder 3"/>
+          <p:cNvSpPr txBox="1">
+            <a:spLocks/>
+          </p:cNvSpPr>
+          <p:nvPr/>
+        </p:nvSpPr>
+        <p:spPr>
+          <a:xfrm>
+            <a:off x="293688" y="1676400"/>
+            <a:ext cx="6411911" cy="944177"/>
+          </a:xfrm>
+          <a:prstGeom prst="rect">
+            <a:avLst/>
+          </a:prstGeom>
+        </p:spPr>
+        <p:txBody>
+          <a:bodyPr vert="horz" lIns="0" tIns="0" rIns="0" bIns="0" rtlCol="0">
+            <a:noAutofit/>
+          </a:bodyPr>
+          <a:lstStyle>
+            <a:lvl1pPr marL="284163" indent="-238125" algn="l" defTabSz="457200" rtl="0" eaLnBrk="1" latinLnBrk="0" hangingPunct="1">
+              <a:spcBef>
+                <a:spcPts val="800"/>
+              </a:spcBef>
+              <a:buFont typeface="Lucida Grande"/>
+              <a:buChar char="-"/>
+              <a:defRPr sz="2000" kern="1200">
+                <a:solidFill>
+                  <a:schemeClr val="tx1"/>
+                </a:solidFill>
+                <a:latin typeface="+mn-lt"/>
+                <a:ea typeface="+mn-ea"/>
+                <a:cs typeface="+mn-cs"/>
+              </a:defRPr>
+            </a:lvl1pPr>
+            <a:lvl2pPr marL="573088" indent="-123825" algn="l" defTabSz="457200" rtl="0" eaLnBrk="1" latinLnBrk="0" hangingPunct="1">
+              <a:spcBef>
+                <a:spcPts val="300"/>
+              </a:spcBef>
+              <a:buSzPct val="90000"/>
+              <a:buFont typeface="Arial"/>
+              <a:buChar char="•"/>
+              <a:defRPr sz="1800" kern="1200">
+                <a:solidFill>
+                  <a:schemeClr val="tx1"/>
+                </a:solidFill>
+                <a:latin typeface="+mn-lt"/>
+                <a:ea typeface="+mn-ea"/>
+                <a:cs typeface="+mn-cs"/>
+              </a:defRPr>
+            </a:lvl2pPr>
+            <a:lvl3pPr marL="855663" indent="-160338" algn="l" defTabSz="457200" rtl="0" eaLnBrk="1" latinLnBrk="0" hangingPunct="1">
+              <a:spcBef>
+                <a:spcPts val="200"/>
+              </a:spcBef>
+              <a:buFont typeface="Lucida Grande"/>
+              <a:buChar char="-"/>
+              <a:tabLst/>
+              <a:defRPr sz="1800" kern="1200">
+                <a:solidFill>
+                  <a:schemeClr val="tx1"/>
+                </a:solidFill>
+                <a:latin typeface="+mn-lt"/>
+                <a:ea typeface="+mn-ea"/>
+                <a:cs typeface="+mn-cs"/>
+              </a:defRPr>
+            </a:lvl3pPr>
+            <a:lvl4pPr marL="1147763" indent="-168275" algn="l" defTabSz="457200" rtl="0" eaLnBrk="1" latinLnBrk="0" hangingPunct="1">
+              <a:spcBef>
+                <a:spcPts val="100"/>
+              </a:spcBef>
+              <a:buFont typeface="Lucida Grande"/>
+              <a:buChar char="»"/>
+              <a:tabLst/>
+              <a:defRPr sz="1600" kern="1200">
+                <a:solidFill>
+                  <a:schemeClr val="tx1"/>
+                </a:solidFill>
+                <a:latin typeface="+mn-lt"/>
+                <a:ea typeface="+mn-ea"/>
+                <a:cs typeface="+mn-cs"/>
+              </a:defRPr>
+            </a:lvl4pPr>
+            <a:lvl5pPr marL="1317625" indent="-107950" algn="l" defTabSz="457200" rtl="0" eaLnBrk="1" latinLnBrk="0" hangingPunct="1">
+              <a:spcBef>
+                <a:spcPts val="0"/>
+              </a:spcBef>
+              <a:buSzPct val="90000"/>
+              <a:buFont typeface="Wingdings" charset="2"/>
+              <a:buChar char="§"/>
+              <a:tabLst/>
+              <a:defRPr sz="1400" kern="1200">
+                <a:solidFill>
+                  <a:schemeClr val="tx1"/>
+                </a:solidFill>
+                <a:latin typeface="+mn-lt"/>
+                <a:ea typeface="+mn-ea"/>
+                <a:cs typeface="+mn-cs"/>
+              </a:defRPr>
+            </a:lvl5pPr>
+            <a:lvl6pPr marL="2514600" indent="-228600" algn="l" defTabSz="457200" rtl="0" eaLnBrk="1" latinLnBrk="0" hangingPunct="1">
+              <a:spcBef>
+                <a:spcPct val="20000"/>
+              </a:spcBef>
+              <a:buFont typeface="Arial"/>
+              <a:buChar char="•"/>
+              <a:defRPr sz="2000" kern="1200">
+                <a:solidFill>
+                  <a:schemeClr val="tx1"/>
+                </a:solidFill>
+                <a:latin typeface="+mn-lt"/>
+                <a:ea typeface="+mn-ea"/>
+                <a:cs typeface="+mn-cs"/>
+              </a:defRPr>
+            </a:lvl6pPr>
+            <a:lvl7pPr marL="2971800" indent="-228600" algn="l" defTabSz="457200" rtl="0" eaLnBrk="1" latinLnBrk="0" hangingPunct="1">
+              <a:spcBef>
+                <a:spcPct val="20000"/>
+              </a:spcBef>
+              <a:buFont typeface="Arial"/>
+              <a:buChar char="•"/>
+              <a:defRPr sz="2000" kern="1200">
+                <a:solidFill>
+                  <a:schemeClr val="tx1"/>
+                </a:solidFill>
+                <a:latin typeface="+mn-lt"/>
+                <a:ea typeface="+mn-ea"/>
+                <a:cs typeface="+mn-cs"/>
+              </a:defRPr>
+            </a:lvl7pPr>
+            <a:lvl8pPr marL="3429000" indent="-228600" algn="l" defTabSz="457200" rtl="0" eaLnBrk="1" latinLnBrk="0" hangingPunct="1">
+              <a:spcBef>
+                <a:spcPct val="20000"/>
+              </a:spcBef>
+              <a:buFont typeface="Arial"/>
+              <a:buChar char="•"/>
+              <a:defRPr sz="2000" kern="1200">
+                <a:solidFill>
+                  <a:schemeClr val="tx1"/>
+                </a:solidFill>
+                <a:latin typeface="+mn-lt"/>
+                <a:ea typeface="+mn-ea"/>
+                <a:cs typeface="+mn-cs"/>
+              </a:defRPr>
+            </a:lvl8pPr>
+            <a:lvl9pPr marL="3886200" indent="-228600" algn="l" defTabSz="457200" rtl="0" eaLnBrk="1" latinLnBrk="0" hangingPunct="1">
+              <a:spcBef>
+                <a:spcPct val="20000"/>
+              </a:spcBef>
+              <a:buFont typeface="Arial"/>
+              <a:buChar char="•"/>
+              <a:defRPr sz="2000" kern="1200">
+                <a:solidFill>
+                  <a:schemeClr val="tx1"/>
+                </a:solidFill>
+                <a:latin typeface="+mn-lt"/>
+                <a:ea typeface="+mn-ea"/>
+                <a:cs typeface="+mn-cs"/>
+              </a:defRPr>
+            </a:lvl9pPr>
+          </a:lstStyle>
+          <a:p>
+            <a:pPr marL="388938" indent="-342900">
+              <a:lnSpc>
+                <a:spcPct val="110000"/>
+              </a:lnSpc>
+              <a:spcBef>
+                <a:spcPts val="0"/>
+              </a:spcBef>
+              <a:buAutoNum type="arabicPeriod"/>
+            </a:pPr>
+            <a:r>
+              <a:rPr lang="en-US" sz="1800" b="1" dirty="0" smtClean="0">
+                <a:solidFill>
+                  <a:schemeClr val="accent5"/>
+                </a:solidFill>
+                <a:latin typeface="Avenir Heavy" charset="0"/>
+                <a:ea typeface="Avenir Heavy" charset="0"/>
+                <a:cs typeface="Avenir Heavy" charset="0"/>
+              </a:rPr>
+              <a:t>Links to reference material and data </a:t>
+            </a:r>
+            <a:endParaRPr lang="en-US" sz="1800" b="1" dirty="0">
+              <a:solidFill>
+                <a:schemeClr val="accent4"/>
+              </a:solidFill>
+              <a:latin typeface="Avenir Heavy" charset="0"/>
+              <a:ea typeface="Avenir Heavy" charset="0"/>
+              <a:cs typeface="Avenir Heavy" charset="0"/>
+            </a:endParaRPr>
+          </a:p>
+          <a:p>
+            <a:pPr marL="388938" indent="-342900">
+              <a:lnSpc>
+                <a:spcPct val="110000"/>
+              </a:lnSpc>
+              <a:spcBef>
+                <a:spcPts val="600"/>
+              </a:spcBef>
+              <a:buFont typeface="Lucida Grande"/>
+              <a:buAutoNum type="arabicPeriod"/>
+            </a:pPr>
+            <a:endParaRPr lang="en-US" sz="1800" b="1" dirty="0">
+              <a:solidFill>
+                <a:schemeClr val="accent5"/>
+              </a:solidFill>
+              <a:latin typeface="Avenir Heavy" charset="0"/>
+              <a:ea typeface="Avenir Heavy" charset="0"/>
+              <a:cs typeface="Avenir Heavy" charset="0"/>
+            </a:endParaRPr>
+          </a:p>
+        </p:txBody>
+      </p:sp>
+    </p:spTree>
+    <p:extLst>
+      <p:ext uri="{BB962C8B-B14F-4D97-AF65-F5344CB8AC3E}">
+        <p14:creationId xmlns:p14="http://schemas.microsoft.com/office/powerpoint/2010/main" val="407151633"/>
+      </p:ext>
+    </p:extLst>
+  </p:cSld>
+  <p:clrMapOvr>
+    <a:masterClrMapping/>
+  </p:clrMapOvr>
+  <p:timing>
+    <p:tnLst>
+      <p:par>
+        <p:cTn id="1" dur="indefinite" restart="never" nodeType="tmRoot"/>
+      </p:par>
+    </p:tnLst>
+  </p:timing>
+</p:sld>
+</file>
+
+<file path=ppt/slides/slide18.xml><?xml version="1.0" encoding="utf-8"?>
+<p:sld xmlns:a="http://schemas.openxmlformats.org/drawingml/2006/main" xmlns:r="http://schemas.openxmlformats.org/officeDocument/2006/relationships" xmlns:p="http://schemas.openxmlformats.org/presentationml/2006/main">
+  <p:cSld>
+    <p:spTree>
+      <p:nvGrpSpPr>
+        <p:cNvPr id="1" name=""/>
+        <p:cNvGrpSpPr/>
+        <p:nvPr/>
+      </p:nvGrpSpPr>
+      <p:grpSpPr>
+        <a:xfrm>
+          <a:off x="0" y="0"/>
+          <a:ext cx="0" cy="0"/>
+          <a:chOff x="0" y="0"/>
+          <a:chExt cx="0" cy="0"/>
+        </a:xfrm>
+      </p:grpSpPr>
+      <p:sp>
+        <p:nvSpPr>
+          <p:cNvPr id="3" name="Slide Number Placeholder 2"/>
+          <p:cNvSpPr>
+            <a:spLocks noGrp="1"/>
+          </p:cNvSpPr>
+          <p:nvPr>
+            <p:ph type="sldNum" sz="quarter" idx="13"/>
+          </p:nvPr>
+        </p:nvSpPr>
+        <p:spPr/>
+        <p:txBody>
+          <a:bodyPr/>
+          <a:lstStyle/>
+          <a:p>
+            <a:fld id="{6E8AC524-ECFE-0943-AE42-A78C0A9D9D75}" type="slidenum">
+              <a:rPr lang="en-US" smtClean="0">
+                <a:solidFill>
+                  <a:schemeClr val="tx2"/>
+                </a:solidFill>
+              </a:rPr>
+              <a:pPr/>
+              <a:t>18</a:t>
             </a:fld>
             <a:r>
               <a:rPr lang="en-US" dirty="0" smtClean="0"/>

--- a/Final-Project-Presentation.pptx
+++ b/Final-Project-Presentation.pptx
@@ -7,10 +7,10 @@
     <p:sldMasterId id="2147483692" r:id="rId3"/>
   </p:sldMasterIdLst>
   <p:notesMasterIdLst>
-    <p:notesMasterId r:id="rId22"/>
+    <p:notesMasterId r:id="rId20"/>
   </p:notesMasterIdLst>
   <p:handoutMasterIdLst>
-    <p:handoutMasterId r:id="rId23"/>
+    <p:handoutMasterId r:id="rId21"/>
   </p:handoutMasterIdLst>
   <p:sldIdLst>
     <p:sldId id="703" r:id="rId4"/>
@@ -28,9 +28,7 @@
     <p:sldId id="720" r:id="rId16"/>
     <p:sldId id="721" r:id="rId17"/>
     <p:sldId id="722" r:id="rId18"/>
-    <p:sldId id="723" r:id="rId19"/>
-    <p:sldId id="724" r:id="rId20"/>
-    <p:sldId id="725" r:id="rId21"/>
+    <p:sldId id="725" r:id="rId19"/>
   </p:sldIdLst>
   <p:sldSz cx="9144000" cy="6858000" type="letter"/>
   <p:notesSz cx="6858000" cy="9144000"/>
@@ -316,7 +314,7 @@
           <a:p>
             <a:fld id="{E2C459D0-64B9-F941-A18D-F0816765E7B4}" type="datetimeFigureOut">
               <a:rPr lang="en-US" smtClean="0"/>
-              <a:t>5/21/17</a:t>
+              <a:t>6/24/17</a:t>
             </a:fld>
             <a:endParaRPr lang="en-US"/>
           </a:p>
@@ -482,7 +480,7 @@
           <a:p>
             <a:fld id="{3059D523-21B4-3C41-91BC-A1318855F150}" type="datetimeFigureOut">
               <a:rPr lang="en-US" smtClean="0"/>
-              <a:t>5/21/17</a:t>
+              <a:t>6/24/17</a:t>
             </a:fld>
             <a:endParaRPr lang="en-US"/>
           </a:p>
@@ -17889,9 +17887,9 @@
             </a:pPr>
             <a:r>
               <a:rPr lang="en-US" sz="1800" dirty="0" smtClean="0">
-                <a:latin typeface="Avenir Heavy" charset="0"/>
-                <a:ea typeface="Avenir Heavy" charset="0"/>
-                <a:cs typeface="Avenir Heavy" charset="0"/>
+                <a:latin typeface="Avenir Medium" charset="0"/>
+                <a:ea typeface="Avenir Medium" charset="0"/>
+                <a:cs typeface="Avenir Medium" charset="0"/>
               </a:rPr>
               <a:t>Isolating certain variables using Lasso and Ridge </a:t>
             </a:r>
@@ -17909,9 +17907,9 @@
             </a:pPr>
             <a:r>
               <a:rPr lang="en-US" sz="1800" dirty="0" smtClean="0">
-                <a:latin typeface="Avenir Heavy" charset="0"/>
-                <a:ea typeface="Avenir Heavy" charset="0"/>
-                <a:cs typeface="Avenir Heavy" charset="0"/>
+                <a:latin typeface="Avenir Medium" charset="0"/>
+                <a:ea typeface="Avenir Medium" charset="0"/>
+                <a:cs typeface="Avenir Medium" charset="0"/>
               </a:rPr>
               <a:t>Clustering to find similarities among countries </a:t>
             </a:r>
@@ -17980,16 +17978,16 @@
             </a:pPr>
             <a:r>
               <a:rPr lang="en-US" sz="1800" dirty="0" smtClean="0">
-                <a:latin typeface="Avenir Heavy" charset="0"/>
-                <a:ea typeface="Avenir Heavy" charset="0"/>
-                <a:cs typeface="Avenir Heavy" charset="0"/>
+                <a:latin typeface="Avenir Medium" charset="0"/>
+                <a:ea typeface="Avenir Medium" charset="0"/>
+                <a:cs typeface="Avenir Medium" charset="0"/>
               </a:rPr>
               <a:t>- Health-related issues (maternal mortality, neonatal mortality, etc.) are more correlated with ICT development </a:t>
             </a:r>
             <a:endParaRPr lang="en-US" sz="1800" dirty="0">
-              <a:latin typeface="Avenir Heavy" charset="0"/>
-              <a:ea typeface="Avenir Heavy" charset="0"/>
-              <a:cs typeface="Avenir Heavy" charset="0"/>
+              <a:latin typeface="Avenir Medium" charset="0"/>
+              <a:ea typeface="Avenir Medium" charset="0"/>
+              <a:cs typeface="Avenir Medium" charset="0"/>
             </a:endParaRPr>
           </a:p>
           <a:p>
@@ -18338,9 +18336,9 @@
             </a:pPr>
             <a:r>
               <a:rPr lang="en-US" sz="1800" dirty="0" smtClean="0">
-                <a:latin typeface="Avenir Heavy" charset="0"/>
-                <a:ea typeface="Avenir Heavy" charset="0"/>
-                <a:cs typeface="Avenir Heavy" charset="0"/>
+                <a:latin typeface="Avenir Medium" charset="0"/>
+                <a:ea typeface="Avenir Medium" charset="0"/>
+                <a:cs typeface="Avenir Medium" charset="0"/>
               </a:rPr>
               <a:t>Test more models </a:t>
             </a:r>
@@ -18358,9 +18356,9 @@
             </a:pPr>
             <a:r>
               <a:rPr lang="en-US" sz="1800" dirty="0" smtClean="0">
-                <a:latin typeface="Avenir Heavy" charset="0"/>
-                <a:ea typeface="Avenir Heavy" charset="0"/>
-                <a:cs typeface="Avenir Heavy" charset="0"/>
+                <a:latin typeface="Avenir Medium" charset="0"/>
+                <a:ea typeface="Avenir Medium" charset="0"/>
+                <a:cs typeface="Avenir Medium" charset="0"/>
               </a:rPr>
               <a:t>Try different, potentially more relevant, features </a:t>
             </a:r>
@@ -18428,9 +18426,9 @@
             </a:pPr>
             <a:r>
               <a:rPr lang="en-US" sz="1800" dirty="0" smtClean="0">
-                <a:latin typeface="Avenir Heavy" charset="0"/>
-                <a:ea typeface="Avenir Heavy" charset="0"/>
-                <a:cs typeface="Avenir Heavy" charset="0"/>
+                <a:latin typeface="Avenir Medium" charset="0"/>
+                <a:ea typeface="Avenir Medium" charset="0"/>
+                <a:cs typeface="Avenir Medium" charset="0"/>
               </a:rPr>
               <a:t>Try correlation of clusters with other indicative data e.g., regions, income</a:t>
             </a:r>
@@ -18504,7 +18502,15 @@
                 <a:ea typeface="Avenir Heavy" charset="0"/>
                 <a:cs typeface="Avenir Heavy" charset="0"/>
               </a:rPr>
-              <a:t>- Focus on health-related issues as an area to tailor ICT solutions </a:t>
+              <a:t>- </a:t>
+            </a:r>
+            <a:r>
+              <a:rPr lang="en-US" sz="1800" dirty="0" smtClean="0">
+                <a:latin typeface="Avenir Medium" charset="0"/>
+                <a:ea typeface="Avenir Medium" charset="0"/>
+                <a:cs typeface="Avenir Medium" charset="0"/>
+              </a:rPr>
+              <a:t>Focus on health-related issues as an area to tailor ICT solutions </a:t>
             </a:r>
           </a:p>
           <a:p>
@@ -18519,19 +18525,19 @@
             </a:pPr>
             <a:r>
               <a:rPr lang="en-US" sz="1800" dirty="0" smtClean="0">
-                <a:latin typeface="Avenir Heavy" charset="0"/>
-                <a:ea typeface="Avenir Heavy" charset="0"/>
-                <a:cs typeface="Avenir Heavy" charset="0"/>
+                <a:latin typeface="Avenir Medium" charset="0"/>
+                <a:ea typeface="Avenir Medium" charset="0"/>
+                <a:cs typeface="Avenir Medium" charset="0"/>
               </a:rPr>
               <a:t>- Refine metrics for sustainable development</a:t>
             </a:r>
-            <a:endParaRPr lang="en-US" sz="1800" b="1" dirty="0">
+            <a:endParaRPr lang="en-US" sz="1800" dirty="0">
               <a:solidFill>
                 <a:schemeClr val="accent4"/>
               </a:solidFill>
-              <a:latin typeface="Avenir Heavy" charset="0"/>
-              <a:ea typeface="Avenir Heavy" charset="0"/>
-              <a:cs typeface="Avenir Heavy" charset="0"/>
+              <a:latin typeface="Avenir Medium" charset="0"/>
+              <a:ea typeface="Avenir Medium" charset="0"/>
+              <a:cs typeface="Avenir Medium" charset="0"/>
             </a:endParaRPr>
           </a:p>
           <a:p>
@@ -18641,12 +18647,20 @@
           <a:lstStyle/>
           <a:p>
             <a:r>
+              <a:rPr lang="en-US" b="1" dirty="0" err="1" smtClean="0">
+                <a:latin typeface="Avenir Heavy" charset="0"/>
+                <a:ea typeface="Avenir Heavy" charset="0"/>
+                <a:cs typeface="Avenir Heavy" charset="0"/>
+              </a:rPr>
+              <a:t>Github</a:t>
+            </a:r>
+            <a:r>
               <a:rPr lang="en-US" b="1" dirty="0" smtClean="0">
                 <a:latin typeface="Avenir Heavy" charset="0"/>
                 <a:ea typeface="Avenir Heavy" charset="0"/>
                 <a:cs typeface="Avenir Heavy" charset="0"/>
               </a:rPr>
-              <a:t>Acknowledgements</a:t>
+              <a:t> </a:t>
             </a:r>
             <a:endParaRPr lang="en-US" b="1" dirty="0"/>
           </a:p>
@@ -18816,17 +18830,17 @@
             </a:lvl9pPr>
           </a:lstStyle>
           <a:p>
-            <a:pPr marL="388938" indent="-342900">
+            <a:pPr marL="46038" indent="0">
               <a:lnSpc>
                 <a:spcPct val="110000"/>
               </a:lnSpc>
               <a:spcBef>
                 <a:spcPts val="0"/>
               </a:spcBef>
-              <a:buAutoNum type="arabicPeriod"/>
+              <a:buNone/>
             </a:pPr>
             <a:r>
-              <a:rPr lang="en-US" sz="1800" b="1" dirty="0" smtClean="0">
+              <a:rPr lang="en-US" sz="1800" b="1" dirty="0">
                 <a:solidFill>
                   <a:schemeClr val="accent5"/>
                 </a:solidFill>
@@ -18834,310 +18848,21 @@
                 <a:ea typeface="Avenir Heavy" charset="0"/>
                 <a:cs typeface="Avenir Heavy" charset="0"/>
               </a:rPr>
-              <a:t>Thanks!!!</a:t>
-            </a:r>
-            <a:endParaRPr lang="en-US" sz="1800" b="1" dirty="0">
-              <a:solidFill>
-                <a:schemeClr val="accent4"/>
-              </a:solidFill>
-              <a:latin typeface="Avenir Heavy" charset="0"/>
-              <a:ea typeface="Avenir Heavy" charset="0"/>
-              <a:cs typeface="Avenir Heavy" charset="0"/>
-            </a:endParaRPr>
-          </a:p>
-          <a:p>
-            <a:pPr marL="388938" indent="-342900">
-              <a:lnSpc>
-                <a:spcPct val="110000"/>
-              </a:lnSpc>
-              <a:spcBef>
-                <a:spcPts val="600"/>
-              </a:spcBef>
-              <a:buFont typeface="Lucida Grande"/>
-              <a:buAutoNum type="arabicPeriod"/>
-            </a:pPr>
-            <a:endParaRPr lang="en-US" sz="1800" b="1" dirty="0">
-              <a:solidFill>
-                <a:schemeClr val="accent5"/>
-              </a:solidFill>
-              <a:latin typeface="Avenir Heavy" charset="0"/>
-              <a:ea typeface="Avenir Heavy" charset="0"/>
-              <a:cs typeface="Avenir Heavy" charset="0"/>
-            </a:endParaRPr>
-          </a:p>
-        </p:txBody>
-      </p:sp>
-    </p:spTree>
-    <p:extLst>
-      <p:ext uri="{BB962C8B-B14F-4D97-AF65-F5344CB8AC3E}">
-        <p14:creationId xmlns:p14="http://schemas.microsoft.com/office/powerpoint/2010/main" val="44613096"/>
-      </p:ext>
-    </p:extLst>
-  </p:cSld>
-  <p:clrMapOvr>
-    <a:masterClrMapping/>
-  </p:clrMapOvr>
-  <p:timing>
-    <p:tnLst>
-      <p:par>
-        <p:cTn id="1" dur="indefinite" restart="never" nodeType="tmRoot"/>
-      </p:par>
-    </p:tnLst>
-  </p:timing>
-</p:sld>
-</file>
-
-<file path=ppt/slides/slide17.xml><?xml version="1.0" encoding="utf-8"?>
-<p:sld xmlns:a="http://schemas.openxmlformats.org/drawingml/2006/main" xmlns:r="http://schemas.openxmlformats.org/officeDocument/2006/relationships" xmlns:p="http://schemas.openxmlformats.org/presentationml/2006/main">
-  <p:cSld>
-    <p:spTree>
-      <p:nvGrpSpPr>
-        <p:cNvPr id="1" name=""/>
-        <p:cNvGrpSpPr/>
-        <p:nvPr/>
-      </p:nvGrpSpPr>
-      <p:grpSpPr>
-        <a:xfrm>
-          <a:off x="0" y="0"/>
-          <a:ext cx="0" cy="0"/>
-          <a:chOff x="0" y="0"/>
-          <a:chExt cx="0" cy="0"/>
-        </a:xfrm>
-      </p:grpSpPr>
-      <p:sp>
-        <p:nvSpPr>
-          <p:cNvPr id="3" name="Slide Number Placeholder 2"/>
-          <p:cNvSpPr>
-            <a:spLocks noGrp="1"/>
-          </p:cNvSpPr>
-          <p:nvPr>
-            <p:ph type="sldNum" sz="quarter" idx="13"/>
-          </p:nvPr>
-        </p:nvSpPr>
-        <p:spPr/>
-        <p:txBody>
-          <a:bodyPr/>
-          <a:lstStyle/>
-          <a:p>
-            <a:fld id="{6E8AC524-ECFE-0943-AE42-A78C0A9D9D75}" type="slidenum">
-              <a:rPr lang="en-US" smtClean="0">
-                <a:solidFill>
-                  <a:schemeClr val="tx2"/>
-                </a:solidFill>
-              </a:rPr>
-              <a:pPr/>
-              <a:t>17</a:t>
-            </a:fld>
-            <a:r>
-              <a:rPr lang="en-US" dirty="0" smtClean="0"/>
-              <a:t> </a:t>
-            </a:r>
-            <a:endParaRPr lang="en-US" dirty="0"/>
-          </a:p>
-        </p:txBody>
-      </p:sp>
-      <p:sp>
-        <p:nvSpPr>
-          <p:cNvPr id="5" name="Title 4"/>
-          <p:cNvSpPr>
-            <a:spLocks noGrp="1"/>
-          </p:cNvSpPr>
-          <p:nvPr>
-            <p:ph type="title"/>
-          </p:nvPr>
-        </p:nvSpPr>
-        <p:spPr/>
-        <p:txBody>
-          <a:bodyPr/>
-          <a:lstStyle/>
-          <a:p>
-            <a:r>
-              <a:rPr lang="en-US" b="1" dirty="0" smtClean="0">
+              <a:t>https://</a:t>
+            </a:r>
+            <a:r>
+              <a:rPr lang="en-US" sz="1800" b="1" dirty="0" err="1">
+                <a:solidFill>
+                  <a:schemeClr val="accent5"/>
+                </a:solidFill>
                 <a:latin typeface="Avenir Heavy" charset="0"/>
                 <a:ea typeface="Avenir Heavy" charset="0"/>
                 <a:cs typeface="Avenir Heavy" charset="0"/>
               </a:rPr>
-              <a:t>Citations</a:t>
-            </a:r>
-            <a:endParaRPr lang="en-US" b="1" dirty="0"/>
-          </a:p>
-        </p:txBody>
-      </p:sp>
-      <p:sp>
-        <p:nvSpPr>
-          <p:cNvPr id="10" name="Content Placeholder 3"/>
-          <p:cNvSpPr txBox="1">
-            <a:spLocks/>
-          </p:cNvSpPr>
-          <p:nvPr/>
-        </p:nvSpPr>
-        <p:spPr>
-          <a:xfrm>
-            <a:off x="293688" y="1676400"/>
-            <a:ext cx="6411911" cy="944177"/>
-          </a:xfrm>
-          <a:prstGeom prst="rect">
-            <a:avLst/>
-          </a:prstGeom>
-        </p:spPr>
-        <p:txBody>
-          <a:bodyPr vert="horz" lIns="0" tIns="0" rIns="0" bIns="0" rtlCol="0">
-            <a:noAutofit/>
-          </a:bodyPr>
-          <a:lstStyle>
-            <a:lvl1pPr marL="284163" indent="-238125" algn="l" defTabSz="457200" rtl="0" eaLnBrk="1" latinLnBrk="0" hangingPunct="1">
-              <a:spcBef>
-                <a:spcPts val="800"/>
-              </a:spcBef>
-              <a:buFont typeface="Lucida Grande"/>
-              <a:buChar char="-"/>
-              <a:defRPr sz="2000" kern="1200">
-                <a:solidFill>
-                  <a:schemeClr val="tx1"/>
-                </a:solidFill>
-                <a:latin typeface="+mn-lt"/>
-                <a:ea typeface="+mn-ea"/>
-                <a:cs typeface="+mn-cs"/>
-              </a:defRPr>
-            </a:lvl1pPr>
-            <a:lvl2pPr marL="573088" indent="-123825" algn="l" defTabSz="457200" rtl="0" eaLnBrk="1" latinLnBrk="0" hangingPunct="1">
-              <a:spcBef>
-                <a:spcPts val="300"/>
-              </a:spcBef>
-              <a:buSzPct val="90000"/>
-              <a:buFont typeface="Arial"/>
-              <a:buChar char="•"/>
-              <a:defRPr sz="1800" kern="1200">
-                <a:solidFill>
-                  <a:schemeClr val="tx1"/>
-                </a:solidFill>
-                <a:latin typeface="+mn-lt"/>
-                <a:ea typeface="+mn-ea"/>
-                <a:cs typeface="+mn-cs"/>
-              </a:defRPr>
-            </a:lvl2pPr>
-            <a:lvl3pPr marL="855663" indent="-160338" algn="l" defTabSz="457200" rtl="0" eaLnBrk="1" latinLnBrk="0" hangingPunct="1">
-              <a:spcBef>
-                <a:spcPts val="200"/>
-              </a:spcBef>
-              <a:buFont typeface="Lucida Grande"/>
-              <a:buChar char="-"/>
-              <a:tabLst/>
-              <a:defRPr sz="1800" kern="1200">
-                <a:solidFill>
-                  <a:schemeClr val="tx1"/>
-                </a:solidFill>
-                <a:latin typeface="+mn-lt"/>
-                <a:ea typeface="+mn-ea"/>
-                <a:cs typeface="+mn-cs"/>
-              </a:defRPr>
-            </a:lvl3pPr>
-            <a:lvl4pPr marL="1147763" indent="-168275" algn="l" defTabSz="457200" rtl="0" eaLnBrk="1" latinLnBrk="0" hangingPunct="1">
-              <a:spcBef>
-                <a:spcPts val="100"/>
-              </a:spcBef>
-              <a:buFont typeface="Lucida Grande"/>
-              <a:buChar char="»"/>
-              <a:tabLst/>
-              <a:defRPr sz="1600" kern="1200">
-                <a:solidFill>
-                  <a:schemeClr val="tx1"/>
-                </a:solidFill>
-                <a:latin typeface="+mn-lt"/>
-                <a:ea typeface="+mn-ea"/>
-                <a:cs typeface="+mn-cs"/>
-              </a:defRPr>
-            </a:lvl4pPr>
-            <a:lvl5pPr marL="1317625" indent="-107950" algn="l" defTabSz="457200" rtl="0" eaLnBrk="1" latinLnBrk="0" hangingPunct="1">
-              <a:spcBef>
-                <a:spcPts val="0"/>
-              </a:spcBef>
-              <a:buSzPct val="90000"/>
-              <a:buFont typeface="Wingdings" charset="2"/>
-              <a:buChar char="§"/>
-              <a:tabLst/>
-              <a:defRPr sz="1400" kern="1200">
-                <a:solidFill>
-                  <a:schemeClr val="tx1"/>
-                </a:solidFill>
-                <a:latin typeface="+mn-lt"/>
-                <a:ea typeface="+mn-ea"/>
-                <a:cs typeface="+mn-cs"/>
-              </a:defRPr>
-            </a:lvl5pPr>
-            <a:lvl6pPr marL="2514600" indent="-228600" algn="l" defTabSz="457200" rtl="0" eaLnBrk="1" latinLnBrk="0" hangingPunct="1">
-              <a:spcBef>
-                <a:spcPct val="20000"/>
-              </a:spcBef>
-              <a:buFont typeface="Arial"/>
-              <a:buChar char="•"/>
-              <a:defRPr sz="2000" kern="1200">
-                <a:solidFill>
-                  <a:schemeClr val="tx1"/>
-                </a:solidFill>
-                <a:latin typeface="+mn-lt"/>
-                <a:ea typeface="+mn-ea"/>
-                <a:cs typeface="+mn-cs"/>
-              </a:defRPr>
-            </a:lvl6pPr>
-            <a:lvl7pPr marL="2971800" indent="-228600" algn="l" defTabSz="457200" rtl="0" eaLnBrk="1" latinLnBrk="0" hangingPunct="1">
-              <a:spcBef>
-                <a:spcPct val="20000"/>
-              </a:spcBef>
-              <a:buFont typeface="Arial"/>
-              <a:buChar char="•"/>
-              <a:defRPr sz="2000" kern="1200">
-                <a:solidFill>
-                  <a:schemeClr val="tx1"/>
-                </a:solidFill>
-                <a:latin typeface="+mn-lt"/>
-                <a:ea typeface="+mn-ea"/>
-                <a:cs typeface="+mn-cs"/>
-              </a:defRPr>
-            </a:lvl7pPr>
-            <a:lvl8pPr marL="3429000" indent="-228600" algn="l" defTabSz="457200" rtl="0" eaLnBrk="1" latinLnBrk="0" hangingPunct="1">
-              <a:spcBef>
-                <a:spcPct val="20000"/>
-              </a:spcBef>
-              <a:buFont typeface="Arial"/>
-              <a:buChar char="•"/>
-              <a:defRPr sz="2000" kern="1200">
-                <a:solidFill>
-                  <a:schemeClr val="tx1"/>
-                </a:solidFill>
-                <a:latin typeface="+mn-lt"/>
-                <a:ea typeface="+mn-ea"/>
-                <a:cs typeface="+mn-cs"/>
-              </a:defRPr>
-            </a:lvl8pPr>
-            <a:lvl9pPr marL="3886200" indent="-228600" algn="l" defTabSz="457200" rtl="0" eaLnBrk="1" latinLnBrk="0" hangingPunct="1">
-              <a:spcBef>
-                <a:spcPct val="20000"/>
-              </a:spcBef>
-              <a:buFont typeface="Arial"/>
-              <a:buChar char="•"/>
-              <a:defRPr sz="2000" kern="1200">
-                <a:solidFill>
-                  <a:schemeClr val="tx1"/>
-                </a:solidFill>
-                <a:latin typeface="+mn-lt"/>
-                <a:ea typeface="+mn-ea"/>
-                <a:cs typeface="+mn-cs"/>
-              </a:defRPr>
-            </a:lvl9pPr>
-          </a:lstStyle>
-          <a:p>
-            <a:pPr marL="388938" indent="-342900">
-              <a:lnSpc>
-                <a:spcPct val="110000"/>
-              </a:lnSpc>
-              <a:spcBef>
-                <a:spcPts val="0"/>
-              </a:spcBef>
-              <a:buAutoNum type="arabicPeriod"/>
-            </a:pPr>
-            <a:r>
-              <a:rPr lang="en-US" sz="1800" b="1" dirty="0" smtClean="0">
+              <a:t>github.com</a:t>
+            </a:r>
+            <a:r>
+              <a:rPr lang="en-US" sz="1800" b="1" dirty="0">
                 <a:solidFill>
                   <a:schemeClr val="accent5"/>
                 </a:solidFill>
@@ -19145,369 +18870,30 @@
                 <a:ea typeface="Avenir Heavy" charset="0"/>
                 <a:cs typeface="Avenir Heavy" charset="0"/>
               </a:rPr>
-              <a:t>Links to reference material and data </a:t>
-            </a:r>
-            <a:endParaRPr lang="en-US" sz="1800" b="1" dirty="0">
-              <a:solidFill>
-                <a:schemeClr val="accent4"/>
-              </a:solidFill>
-              <a:latin typeface="Avenir Heavy" charset="0"/>
-              <a:ea typeface="Avenir Heavy" charset="0"/>
-              <a:cs typeface="Avenir Heavy" charset="0"/>
-            </a:endParaRPr>
-          </a:p>
-          <a:p>
-            <a:pPr marL="388938" indent="-342900">
-              <a:lnSpc>
-                <a:spcPct val="110000"/>
-              </a:lnSpc>
-              <a:spcBef>
-                <a:spcPts val="600"/>
-              </a:spcBef>
-              <a:buFont typeface="Lucida Grande"/>
-              <a:buAutoNum type="arabicPeriod"/>
-            </a:pPr>
-            <a:endParaRPr lang="en-US" sz="1800" b="1" dirty="0">
-              <a:solidFill>
-                <a:schemeClr val="accent5"/>
-              </a:solidFill>
-              <a:latin typeface="Avenir Heavy" charset="0"/>
-              <a:ea typeface="Avenir Heavy" charset="0"/>
-              <a:cs typeface="Avenir Heavy" charset="0"/>
-            </a:endParaRPr>
-          </a:p>
-        </p:txBody>
-      </p:sp>
-    </p:spTree>
-    <p:extLst>
-      <p:ext uri="{BB962C8B-B14F-4D97-AF65-F5344CB8AC3E}">
-        <p14:creationId xmlns:p14="http://schemas.microsoft.com/office/powerpoint/2010/main" val="407151633"/>
-      </p:ext>
-    </p:extLst>
-  </p:cSld>
-  <p:clrMapOvr>
-    <a:masterClrMapping/>
-  </p:clrMapOvr>
-  <p:timing>
-    <p:tnLst>
-      <p:par>
-        <p:cTn id="1" dur="indefinite" restart="never" nodeType="tmRoot"/>
-      </p:par>
-    </p:tnLst>
-  </p:timing>
-</p:sld>
-</file>
-
-<file path=ppt/slides/slide18.xml><?xml version="1.0" encoding="utf-8"?>
-<p:sld xmlns:a="http://schemas.openxmlformats.org/drawingml/2006/main" xmlns:r="http://schemas.openxmlformats.org/officeDocument/2006/relationships" xmlns:p="http://schemas.openxmlformats.org/presentationml/2006/main">
-  <p:cSld>
-    <p:spTree>
-      <p:nvGrpSpPr>
-        <p:cNvPr id="1" name=""/>
-        <p:cNvGrpSpPr/>
-        <p:nvPr/>
-      </p:nvGrpSpPr>
-      <p:grpSpPr>
-        <a:xfrm>
-          <a:off x="0" y="0"/>
-          <a:ext cx="0" cy="0"/>
-          <a:chOff x="0" y="0"/>
-          <a:chExt cx="0" cy="0"/>
-        </a:xfrm>
-      </p:grpSpPr>
-      <p:sp>
-        <p:nvSpPr>
-          <p:cNvPr id="3" name="Slide Number Placeholder 2"/>
-          <p:cNvSpPr>
-            <a:spLocks noGrp="1"/>
-          </p:cNvSpPr>
-          <p:nvPr>
-            <p:ph type="sldNum" sz="quarter" idx="13"/>
-          </p:nvPr>
-        </p:nvSpPr>
-        <p:spPr/>
-        <p:txBody>
-          <a:bodyPr/>
-          <a:lstStyle/>
-          <a:p>
-            <a:fld id="{6E8AC524-ECFE-0943-AE42-A78C0A9D9D75}" type="slidenum">
-              <a:rPr lang="en-US" smtClean="0">
-                <a:solidFill>
-                  <a:schemeClr val="tx2"/>
-                </a:solidFill>
-              </a:rPr>
-              <a:pPr/>
-              <a:t>18</a:t>
-            </a:fld>
-            <a:r>
-              <a:rPr lang="en-US" dirty="0" smtClean="0"/>
-              <a:t> </a:t>
-            </a:r>
-            <a:endParaRPr lang="en-US" dirty="0"/>
-          </a:p>
-        </p:txBody>
-      </p:sp>
-      <p:sp>
-        <p:nvSpPr>
-          <p:cNvPr id="5" name="Title 4"/>
-          <p:cNvSpPr>
-            <a:spLocks noGrp="1"/>
-          </p:cNvSpPr>
-          <p:nvPr>
-            <p:ph type="title"/>
-          </p:nvPr>
-        </p:nvSpPr>
-        <p:spPr/>
-        <p:txBody>
-          <a:bodyPr/>
-          <a:lstStyle/>
-          <a:p>
-            <a:r>
-              <a:rPr lang="en-US" b="1" dirty="0" err="1" smtClean="0">
+              <a:t>/</a:t>
+            </a:r>
+            <a:r>
+              <a:rPr lang="en-US" sz="1800" b="1" dirty="0" err="1">
+                <a:solidFill>
+                  <a:schemeClr val="accent5"/>
+                </a:solidFill>
                 <a:latin typeface="Avenir Heavy" charset="0"/>
                 <a:ea typeface="Avenir Heavy" charset="0"/>
                 <a:cs typeface="Avenir Heavy" charset="0"/>
               </a:rPr>
-              <a:t>Github</a:t>
-            </a:r>
-            <a:r>
-              <a:rPr lang="en-US" b="1" dirty="0" smtClean="0">
+              <a:t>rochellemarch</a:t>
+            </a:r>
+            <a:r>
+              <a:rPr lang="en-US" sz="1800" b="1" dirty="0">
+                <a:solidFill>
+                  <a:schemeClr val="accent5"/>
+                </a:solidFill>
                 <a:latin typeface="Avenir Heavy" charset="0"/>
                 <a:ea typeface="Avenir Heavy" charset="0"/>
                 <a:cs typeface="Avenir Heavy" charset="0"/>
               </a:rPr>
-              <a:t> </a:t>
-            </a:r>
-            <a:endParaRPr lang="en-US" b="1" dirty="0"/>
-          </a:p>
-        </p:txBody>
-      </p:sp>
-      <p:sp>
-        <p:nvSpPr>
-          <p:cNvPr id="10" name="Content Placeholder 3"/>
-          <p:cNvSpPr txBox="1">
-            <a:spLocks/>
-          </p:cNvSpPr>
-          <p:nvPr/>
-        </p:nvSpPr>
-        <p:spPr>
-          <a:xfrm>
-            <a:off x="293688" y="1676400"/>
-            <a:ext cx="6411911" cy="944177"/>
-          </a:xfrm>
-          <a:prstGeom prst="rect">
-            <a:avLst/>
-          </a:prstGeom>
-        </p:spPr>
-        <p:txBody>
-          <a:bodyPr vert="horz" lIns="0" tIns="0" rIns="0" bIns="0" rtlCol="0">
-            <a:noAutofit/>
-          </a:bodyPr>
-          <a:lstStyle>
-            <a:lvl1pPr marL="284163" indent="-238125" algn="l" defTabSz="457200" rtl="0" eaLnBrk="1" latinLnBrk="0" hangingPunct="1">
-              <a:spcBef>
-                <a:spcPts val="800"/>
-              </a:spcBef>
-              <a:buFont typeface="Lucida Grande"/>
-              <a:buChar char="-"/>
-              <a:defRPr sz="2000" kern="1200">
-                <a:solidFill>
-                  <a:schemeClr val="tx1"/>
-                </a:solidFill>
-                <a:latin typeface="+mn-lt"/>
-                <a:ea typeface="+mn-ea"/>
-                <a:cs typeface="+mn-cs"/>
-              </a:defRPr>
-            </a:lvl1pPr>
-            <a:lvl2pPr marL="573088" indent="-123825" algn="l" defTabSz="457200" rtl="0" eaLnBrk="1" latinLnBrk="0" hangingPunct="1">
-              <a:spcBef>
-                <a:spcPts val="300"/>
-              </a:spcBef>
-              <a:buSzPct val="90000"/>
-              <a:buFont typeface="Arial"/>
-              <a:buChar char="•"/>
-              <a:defRPr sz="1800" kern="1200">
-                <a:solidFill>
-                  <a:schemeClr val="tx1"/>
-                </a:solidFill>
-                <a:latin typeface="+mn-lt"/>
-                <a:ea typeface="+mn-ea"/>
-                <a:cs typeface="+mn-cs"/>
-              </a:defRPr>
-            </a:lvl2pPr>
-            <a:lvl3pPr marL="855663" indent="-160338" algn="l" defTabSz="457200" rtl="0" eaLnBrk="1" latinLnBrk="0" hangingPunct="1">
-              <a:spcBef>
-                <a:spcPts val="200"/>
-              </a:spcBef>
-              <a:buFont typeface="Lucida Grande"/>
-              <a:buChar char="-"/>
-              <a:tabLst/>
-              <a:defRPr sz="1800" kern="1200">
-                <a:solidFill>
-                  <a:schemeClr val="tx1"/>
-                </a:solidFill>
-                <a:latin typeface="+mn-lt"/>
-                <a:ea typeface="+mn-ea"/>
-                <a:cs typeface="+mn-cs"/>
-              </a:defRPr>
-            </a:lvl3pPr>
-            <a:lvl4pPr marL="1147763" indent="-168275" algn="l" defTabSz="457200" rtl="0" eaLnBrk="1" latinLnBrk="0" hangingPunct="1">
-              <a:spcBef>
-                <a:spcPts val="100"/>
-              </a:spcBef>
-              <a:buFont typeface="Lucida Grande"/>
-              <a:buChar char="»"/>
-              <a:tabLst/>
-              <a:defRPr sz="1600" kern="1200">
-                <a:solidFill>
-                  <a:schemeClr val="tx1"/>
-                </a:solidFill>
-                <a:latin typeface="+mn-lt"/>
-                <a:ea typeface="+mn-ea"/>
-                <a:cs typeface="+mn-cs"/>
-              </a:defRPr>
-            </a:lvl4pPr>
-            <a:lvl5pPr marL="1317625" indent="-107950" algn="l" defTabSz="457200" rtl="0" eaLnBrk="1" latinLnBrk="0" hangingPunct="1">
-              <a:spcBef>
-                <a:spcPts val="0"/>
-              </a:spcBef>
-              <a:buSzPct val="90000"/>
-              <a:buFont typeface="Wingdings" charset="2"/>
-              <a:buChar char="§"/>
-              <a:tabLst/>
-              <a:defRPr sz="1400" kern="1200">
-                <a:solidFill>
-                  <a:schemeClr val="tx1"/>
-                </a:solidFill>
-                <a:latin typeface="+mn-lt"/>
-                <a:ea typeface="+mn-ea"/>
-                <a:cs typeface="+mn-cs"/>
-              </a:defRPr>
-            </a:lvl5pPr>
-            <a:lvl6pPr marL="2514600" indent="-228600" algn="l" defTabSz="457200" rtl="0" eaLnBrk="1" latinLnBrk="0" hangingPunct="1">
-              <a:spcBef>
-                <a:spcPct val="20000"/>
-              </a:spcBef>
-              <a:buFont typeface="Arial"/>
-              <a:buChar char="•"/>
-              <a:defRPr sz="2000" kern="1200">
-                <a:solidFill>
-                  <a:schemeClr val="tx1"/>
-                </a:solidFill>
-                <a:latin typeface="+mn-lt"/>
-                <a:ea typeface="+mn-ea"/>
-                <a:cs typeface="+mn-cs"/>
-              </a:defRPr>
-            </a:lvl6pPr>
-            <a:lvl7pPr marL="2971800" indent="-228600" algn="l" defTabSz="457200" rtl="0" eaLnBrk="1" latinLnBrk="0" hangingPunct="1">
-              <a:spcBef>
-                <a:spcPct val="20000"/>
-              </a:spcBef>
-              <a:buFont typeface="Arial"/>
-              <a:buChar char="•"/>
-              <a:defRPr sz="2000" kern="1200">
-                <a:solidFill>
-                  <a:schemeClr val="tx1"/>
-                </a:solidFill>
-                <a:latin typeface="+mn-lt"/>
-                <a:ea typeface="+mn-ea"/>
-                <a:cs typeface="+mn-cs"/>
-              </a:defRPr>
-            </a:lvl7pPr>
-            <a:lvl8pPr marL="3429000" indent="-228600" algn="l" defTabSz="457200" rtl="0" eaLnBrk="1" latinLnBrk="0" hangingPunct="1">
-              <a:spcBef>
-                <a:spcPct val="20000"/>
-              </a:spcBef>
-              <a:buFont typeface="Arial"/>
-              <a:buChar char="•"/>
-              <a:defRPr sz="2000" kern="1200">
-                <a:solidFill>
-                  <a:schemeClr val="tx1"/>
-                </a:solidFill>
-                <a:latin typeface="+mn-lt"/>
-                <a:ea typeface="+mn-ea"/>
-                <a:cs typeface="+mn-cs"/>
-              </a:defRPr>
-            </a:lvl8pPr>
-            <a:lvl9pPr marL="3886200" indent="-228600" algn="l" defTabSz="457200" rtl="0" eaLnBrk="1" latinLnBrk="0" hangingPunct="1">
-              <a:spcBef>
-                <a:spcPct val="20000"/>
-              </a:spcBef>
-              <a:buFont typeface="Arial"/>
-              <a:buChar char="•"/>
-              <a:defRPr sz="2000" kern="1200">
-                <a:solidFill>
-                  <a:schemeClr val="tx1"/>
-                </a:solidFill>
-                <a:latin typeface="+mn-lt"/>
-                <a:ea typeface="+mn-ea"/>
-                <a:cs typeface="+mn-cs"/>
-              </a:defRPr>
-            </a:lvl9pPr>
-          </a:lstStyle>
-          <a:p>
-            <a:pPr marL="388938" indent="-342900">
-              <a:lnSpc>
-                <a:spcPct val="110000"/>
-              </a:lnSpc>
-              <a:spcBef>
-                <a:spcPts val="0"/>
-              </a:spcBef>
-              <a:buAutoNum type="arabicPeriod"/>
-            </a:pPr>
-            <a:r>
-              <a:rPr lang="en-US" sz="1800" b="1" dirty="0" smtClean="0">
-                <a:solidFill>
-                  <a:schemeClr val="accent5"/>
-                </a:solidFill>
-                <a:latin typeface="Avenir Heavy" charset="0"/>
-                <a:ea typeface="Avenir Heavy" charset="0"/>
-                <a:cs typeface="Avenir Heavy" charset="0"/>
-              </a:rPr>
-              <a:t>Links to </a:t>
-            </a:r>
-            <a:r>
-              <a:rPr lang="en-US" sz="1800" b="1" dirty="0" err="1" smtClean="0">
-                <a:solidFill>
-                  <a:schemeClr val="accent5"/>
-                </a:solidFill>
-                <a:latin typeface="Avenir Heavy" charset="0"/>
-                <a:ea typeface="Avenir Heavy" charset="0"/>
-                <a:cs typeface="Avenir Heavy" charset="0"/>
-              </a:rPr>
-              <a:t>github</a:t>
-            </a:r>
-            <a:r>
-              <a:rPr lang="en-US" sz="1800" b="1" dirty="0" smtClean="0">
-                <a:solidFill>
-                  <a:schemeClr val="accent5"/>
-                </a:solidFill>
-                <a:latin typeface="Avenir Heavy" charset="0"/>
-                <a:ea typeface="Avenir Heavy" charset="0"/>
-                <a:cs typeface="Avenir Heavy" charset="0"/>
-              </a:rPr>
-              <a:t> </a:t>
-            </a:r>
-            <a:endParaRPr lang="en-US" sz="1800" b="1" dirty="0">
-              <a:solidFill>
-                <a:schemeClr val="accent4"/>
-              </a:solidFill>
-              <a:latin typeface="Avenir Heavy" charset="0"/>
-              <a:ea typeface="Avenir Heavy" charset="0"/>
-              <a:cs typeface="Avenir Heavy" charset="0"/>
-            </a:endParaRPr>
-          </a:p>
-          <a:p>
-            <a:pPr marL="388938" indent="-342900">
-              <a:lnSpc>
-                <a:spcPct val="110000"/>
-              </a:lnSpc>
-              <a:spcBef>
-                <a:spcPts val="600"/>
-              </a:spcBef>
-              <a:buFont typeface="Lucida Grande"/>
-              <a:buAutoNum type="arabicPeriod"/>
-            </a:pPr>
+              <a:t>/project-2</a:t>
+            </a:r>
             <a:endParaRPr lang="en-US" sz="1800" b="1" dirty="0">
               <a:solidFill>
                 <a:schemeClr val="accent5"/>
@@ -19867,11 +19253,6 @@
               </a:rPr>
               <a:t>It is well-understood that there is a need for increased global sustainable development. </a:t>
             </a:r>
-            <a:endParaRPr lang="en-US" sz="1800" dirty="0" smtClean="0">
-              <a:latin typeface="Avenir Medium" charset="0"/>
-              <a:ea typeface="Avenir Medium" charset="0"/>
-              <a:cs typeface="Avenir Medium" charset="0"/>
-            </a:endParaRPr>
           </a:p>
           <a:p>
             <a:pPr marL="46038" indent="0">
@@ -19908,15 +19289,33 @@
                 <a:ea typeface="Avenir Medium" charset="0"/>
                 <a:cs typeface="Avenir Medium" charset="0"/>
               </a:rPr>
-              <a:t>Information </a:t>
-            </a:r>
+              <a:t>Information communications technology (ICT), which includes technologies such as mobile phones, broadband and the Internet, can deliver communications and therefore solutions at an unprecedented speed and scale. ICT may be a key enabler for sustainable development, particularly in its ability to:</a:t>
+            </a:r>
+          </a:p>
+          <a:p>
+            <a:pPr lvl="3">
+              <a:lnSpc>
+                <a:spcPct val="110000"/>
+              </a:lnSpc>
+              <a:spcBef>
+                <a:spcPts val="0"/>
+              </a:spcBef>
+            </a:pPr>
             <a:r>
               <a:rPr lang="en-US" sz="1800" dirty="0" smtClean="0">
                 <a:latin typeface="Avenir Medium" charset="0"/>
                 <a:ea typeface="Avenir Medium" charset="0"/>
                 <a:cs typeface="Avenir Medium" charset="0"/>
               </a:rPr>
-              <a:t>communications technology (ICT), </a:t>
+              <a:t>Increase </a:t>
+            </a:r>
+            <a:r>
+              <a:rPr lang="en-US" sz="1800" b="1" dirty="0" smtClean="0">
+                <a:latin typeface="Avenir Heavy" charset="0"/>
+                <a:ea typeface="Avenir Heavy" charset="0"/>
+                <a:cs typeface="Avenir Heavy" charset="0"/>
+              </a:rPr>
+              <a:t>access</a:t>
             </a:r>
             <a:r>
               <a:rPr lang="en-US" sz="1800" dirty="0" smtClean="0">
@@ -19924,39 +19323,7 @@
                 <a:ea typeface="Avenir Medium" charset="0"/>
                 <a:cs typeface="Avenir Medium" charset="0"/>
               </a:rPr>
-              <a:t>which includes technologies such as mobile phones, broadband and the Internet, can </a:t>
-            </a:r>
-            <a:r>
-              <a:rPr lang="en-US" sz="1800" dirty="0" smtClean="0">
-                <a:latin typeface="Avenir Medium" charset="0"/>
-                <a:ea typeface="Avenir Medium" charset="0"/>
-                <a:cs typeface="Avenir Medium" charset="0"/>
-              </a:rPr>
-              <a:t>deliver communications and therefore </a:t>
-            </a:r>
-            <a:r>
-              <a:rPr lang="en-US" sz="1800" dirty="0" smtClean="0">
-                <a:latin typeface="Avenir Medium" charset="0"/>
-                <a:ea typeface="Avenir Medium" charset="0"/>
-                <a:cs typeface="Avenir Medium" charset="0"/>
-              </a:rPr>
-              <a:t>solutions </a:t>
-            </a:r>
-            <a:r>
-              <a:rPr lang="en-US" sz="1800" dirty="0" smtClean="0">
-                <a:latin typeface="Avenir Medium" charset="0"/>
-                <a:ea typeface="Avenir Medium" charset="0"/>
-                <a:cs typeface="Avenir Medium" charset="0"/>
-              </a:rPr>
-              <a:t>at an unprecedented speed and </a:t>
-            </a:r>
-            <a:r>
-              <a:rPr lang="en-US" sz="1800" dirty="0" smtClean="0">
-                <a:latin typeface="Avenir Medium" charset="0"/>
-                <a:ea typeface="Avenir Medium" charset="0"/>
-                <a:cs typeface="Avenir Medium" charset="0"/>
-              </a:rPr>
-              <a:t>scale. ICT may be a key enabler for sustainable development, particularly in its ability to:</a:t>
+              <a:t> to information</a:t>
             </a:r>
           </a:p>
           <a:p>
@@ -19969,54 +19336,12 @@
               </a:spcBef>
             </a:pPr>
             <a:r>
-              <a:rPr lang="en-US" sz="1800" dirty="0" smtClean="0">
-                <a:latin typeface="Avenir Medium" charset="0"/>
-                <a:ea typeface="Avenir Medium" charset="0"/>
-                <a:cs typeface="Avenir Medium" charset="0"/>
-              </a:rPr>
-              <a:t>Increase </a:t>
-            </a:r>
-            <a:r>
               <a:rPr lang="en-US" sz="1800" b="1" dirty="0" smtClean="0">
                 <a:latin typeface="Avenir Heavy" charset="0"/>
                 <a:ea typeface="Avenir Heavy" charset="0"/>
                 <a:cs typeface="Avenir Heavy" charset="0"/>
               </a:rPr>
-              <a:t>access</a:t>
-            </a:r>
-            <a:r>
-              <a:rPr lang="en-US" sz="1800" dirty="0" smtClean="0">
-                <a:latin typeface="Avenir Medium" charset="0"/>
-                <a:ea typeface="Avenir Medium" charset="0"/>
-                <a:cs typeface="Avenir Medium" charset="0"/>
-              </a:rPr>
-              <a:t> to information</a:t>
-            </a:r>
-          </a:p>
-          <a:p>
-            <a:pPr lvl="3">
-              <a:lnSpc>
-                <a:spcPct val="110000"/>
-              </a:lnSpc>
-              <a:spcBef>
-                <a:spcPts val="0"/>
-              </a:spcBef>
-            </a:pPr>
-            <a:r>
-              <a:rPr lang="en-US" sz="1800" b="1" dirty="0" smtClean="0">
-                <a:latin typeface="Avenir Heavy" charset="0"/>
-                <a:ea typeface="Avenir Heavy" charset="0"/>
-                <a:cs typeface="Avenir Heavy" charset="0"/>
-              </a:rPr>
-              <a:t>C</a:t>
-            </a:r>
-            <a:r>
-              <a:rPr lang="en-US" sz="1800" b="1" dirty="0" smtClean="0">
-                <a:latin typeface="Avenir Heavy" charset="0"/>
-                <a:ea typeface="Avenir Heavy" charset="0"/>
-                <a:cs typeface="Avenir Heavy" charset="0"/>
-              </a:rPr>
-              <a:t>onnect</a:t>
+              <a:t>Connect</a:t>
             </a:r>
             <a:r>
               <a:rPr lang="en-US" sz="1800" dirty="0" smtClean="0">
@@ -20427,14 +19752,6 @@
               </a:rPr>
               <a:t>History of the Sustainable Development Goals (SDGs) </a:t>
             </a:r>
-            <a:endParaRPr lang="en-US" sz="1800" b="1" dirty="0" smtClean="0">
-              <a:solidFill>
-                <a:schemeClr val="accent5"/>
-              </a:solidFill>
-              <a:latin typeface="Avenir Heavy" charset="0"/>
-              <a:ea typeface="Avenir Heavy" charset="0"/>
-              <a:cs typeface="Avenir Heavy" charset="0"/>
-            </a:endParaRPr>
           </a:p>
           <a:p>
             <a:pPr marL="46038" indent="0">
@@ -20557,11 +19874,6 @@
               </a:rPr>
               <a:t>The Goals offer an ambitious and transformational vision for the future, with a target of 2030. Over the next fifteen years, these Goals will help mobilize efforts to end all forms of poverty, fight inequality, and tackle climate change, among other aims. </a:t>
             </a:r>
-            <a:endParaRPr lang="en-US" dirty="0">
-              <a:latin typeface="Avenir Book" charset="0"/>
-              <a:ea typeface="Avenir Book" charset="0"/>
-              <a:cs typeface="Avenir Book" charset="0"/>
-            </a:endParaRPr>
           </a:p>
         </p:txBody>
       </p:sp>
@@ -20873,11 +20185,6 @@
               </a:rPr>
               <a:t>Build off existing research and efforts by the UN, ITU and technology companies (e.g., Huawei, Ericsson, Intel, ARM, etc.) </a:t>
             </a:r>
-            <a:endParaRPr lang="en-US" sz="1600" dirty="0" smtClean="0">
-              <a:latin typeface="Avenir Book" charset="0"/>
-              <a:ea typeface="Avenir Book" charset="0"/>
-              <a:cs typeface="Avenir Book" charset="0"/>
-            </a:endParaRPr>
           </a:p>
           <a:p>
             <a:pPr marL="388938" indent="-342900">
@@ -21292,14 +20599,6 @@
               </a:rPr>
               <a:t>Gather the data</a:t>
             </a:r>
-            <a:endParaRPr lang="en-US" sz="1800" b="1" dirty="0" smtClean="0">
-              <a:solidFill>
-                <a:schemeClr val="accent5"/>
-              </a:solidFill>
-              <a:latin typeface="Avenir Heavy" charset="0"/>
-              <a:ea typeface="Avenir Heavy" charset="0"/>
-              <a:cs typeface="Avenir Heavy" charset="0"/>
-            </a:endParaRPr>
           </a:p>
           <a:p>
             <a:pPr marL="620713" lvl="1" indent="-285750">
@@ -22432,11 +21731,6 @@
               </a:rPr>
               <a:t> </a:t>
             </a:r>
-            <a:endParaRPr lang="en-US" sz="1600" dirty="0" smtClean="0">
-              <a:latin typeface="Avenir Book" charset="0"/>
-              <a:ea typeface="Avenir Book" charset="0"/>
-              <a:cs typeface="Avenir Book" charset="0"/>
-            </a:endParaRPr>
           </a:p>
           <a:p>
             <a:pPr marL="388938" indent="-342900">
@@ -23080,14 +22374,6 @@
               </a:rPr>
               <a:t>Correlation Matrix </a:t>
             </a:r>
-            <a:endParaRPr lang="en-US" sz="1800" b="1" dirty="0" smtClean="0">
-              <a:solidFill>
-                <a:schemeClr val="accent5"/>
-              </a:solidFill>
-              <a:latin typeface="Avenir Heavy" charset="0"/>
-              <a:ea typeface="Avenir Heavy" charset="0"/>
-              <a:cs typeface="Avenir Heavy" charset="0"/>
-            </a:endParaRPr>
           </a:p>
           <a:p>
             <a:pPr marL="620713" lvl="1" indent="-285750">
